--- a/Thanh Ca 903/442 - Ơn Cao Sâu Rộng.pptx
+++ b/Thanh Ca 903/442 - Ơn Cao Sâu Rộng.pptx
@@ -109,6 +109,22 @@
       </a:defRPr>
     </a:lvl9pPr>
   </p:defaultTextStyle>
+  <p:extLst>
+    <p:ext uri="{EFAFB233-063F-42B5-8137-9DF3F51BA10A}">
+      <p15:sldGuideLst xmlns:p15="http://schemas.microsoft.com/office/powerpoint/2012/main">
+        <p15:guide id="1" orient="horz" pos="2160">
+          <p15:clr>
+            <a:srgbClr val="A4A3A4"/>
+          </p15:clr>
+        </p15:guide>
+        <p15:guide id="2" pos="2880">
+          <p15:clr>
+            <a:srgbClr val="A4A3A4"/>
+          </p15:clr>
+        </p15:guide>
+      </p15:sldGuideLst>
+    </p:ext>
+  </p:extLst>
 </p:presentation>
 </file>
 
@@ -150,10 +166,9 @@
           <a:lstStyle/>
           <a:p>
             <a:r>
-              <a:rPr lang="en-US" smtClean="0"/>
+              <a:rPr lang="en-US"/>
               <a:t>Click to edit Master title style</a:t>
             </a:r>
-            <a:endParaRPr lang="en-US"/>
           </a:p>
         </p:txBody>
       </p:sp>
@@ -215,10 +230,9 @@
           </a:lstStyle>
           <a:p>
             <a:r>
-              <a:rPr lang="en-US" smtClean="0"/>
+              <a:rPr lang="en-US"/>
               <a:t>Click to edit Master subtitle style</a:t>
             </a:r>
-            <a:endParaRPr lang="en-US"/>
           </a:p>
         </p:txBody>
       </p:sp>
@@ -354,10 +368,9 @@
           <a:lstStyle/>
           <a:p>
             <a:r>
-              <a:rPr lang="en-US" smtClean="0"/>
+              <a:rPr lang="en-US"/>
               <a:t>Click to edit Master title style</a:t>
             </a:r>
-            <a:endParaRPr lang="en-US"/>
           </a:p>
         </p:txBody>
       </p:sp>
@@ -378,38 +391,37 @@
           <a:p>
             <a:pPr lvl="0"/>
             <a:r>
-              <a:rPr lang="en-US" smtClean="0"/>
+              <a:rPr lang="en-US"/>
               <a:t>Click to edit Master text styles</a:t>
             </a:r>
           </a:p>
           <a:p>
             <a:pPr lvl="1"/>
             <a:r>
-              <a:rPr lang="en-US" smtClean="0"/>
+              <a:rPr lang="en-US"/>
               <a:t>Second level</a:t>
             </a:r>
           </a:p>
           <a:p>
             <a:pPr lvl="2"/>
             <a:r>
-              <a:rPr lang="en-US" smtClean="0"/>
+              <a:rPr lang="en-US"/>
               <a:t>Third level</a:t>
             </a:r>
           </a:p>
           <a:p>
             <a:pPr lvl="3"/>
             <a:r>
-              <a:rPr lang="en-US" smtClean="0"/>
+              <a:rPr lang="en-US"/>
               <a:t>Fourth level</a:t>
             </a:r>
           </a:p>
           <a:p>
             <a:pPr lvl="4"/>
             <a:r>
-              <a:rPr lang="en-US" smtClean="0"/>
+              <a:rPr lang="en-US"/>
               <a:t>Fifth level</a:t>
             </a:r>
-            <a:endParaRPr lang="en-US"/>
           </a:p>
         </p:txBody>
       </p:sp>
@@ -550,10 +562,9 @@
           <a:lstStyle/>
           <a:p>
             <a:r>
-              <a:rPr lang="en-US" smtClean="0"/>
+              <a:rPr lang="en-US"/>
               <a:t>Click to edit Master title style</a:t>
             </a:r>
-            <a:endParaRPr lang="en-US"/>
           </a:p>
         </p:txBody>
       </p:sp>
@@ -615,10 +626,9 @@
           </a:lstStyle>
           <a:p>
             <a:r>
-              <a:rPr lang="en-US" smtClean="0"/>
+              <a:rPr lang="en-US"/>
               <a:t>Click to edit Master subtitle style</a:t>
             </a:r>
-            <a:endParaRPr lang="en-US"/>
           </a:p>
         </p:txBody>
       </p:sp>
@@ -754,10 +764,9 @@
           <a:lstStyle/>
           <a:p>
             <a:r>
-              <a:rPr lang="en-US" smtClean="0"/>
+              <a:rPr lang="en-US"/>
               <a:t>Click to edit Master title style</a:t>
             </a:r>
-            <a:endParaRPr lang="en-US"/>
           </a:p>
         </p:txBody>
       </p:sp>
@@ -778,38 +787,37 @@
           <a:p>
             <a:pPr lvl="0"/>
             <a:r>
-              <a:rPr lang="en-US" smtClean="0"/>
+              <a:rPr lang="en-US"/>
               <a:t>Click to edit Master text styles</a:t>
             </a:r>
           </a:p>
           <a:p>
             <a:pPr lvl="1"/>
             <a:r>
-              <a:rPr lang="en-US" smtClean="0"/>
+              <a:rPr lang="en-US"/>
               <a:t>Second level</a:t>
             </a:r>
           </a:p>
           <a:p>
             <a:pPr lvl="2"/>
             <a:r>
-              <a:rPr lang="en-US" smtClean="0"/>
+              <a:rPr lang="en-US"/>
               <a:t>Third level</a:t>
             </a:r>
           </a:p>
           <a:p>
             <a:pPr lvl="3"/>
             <a:r>
-              <a:rPr lang="en-US" smtClean="0"/>
+              <a:rPr lang="en-US"/>
               <a:t>Fourth level</a:t>
             </a:r>
           </a:p>
           <a:p>
             <a:pPr lvl="4"/>
             <a:r>
-              <a:rPr lang="en-US" smtClean="0"/>
+              <a:rPr lang="en-US"/>
               <a:t>Fifth level</a:t>
             </a:r>
-            <a:endParaRPr lang="en-US"/>
           </a:p>
         </p:txBody>
       </p:sp>
@@ -999,7 +1007,7 @@
           <a:p>
             <a:pPr lvl="0"/>
             <a:r>
-              <a:rPr lang="en-US" smtClean="0"/>
+              <a:rPr lang="en-US"/>
               <a:t>Click to edit Master title style</a:t>
             </a:r>
           </a:p>
@@ -1041,35 +1049,35 @@
           <a:p>
             <a:pPr lvl="0"/>
             <a:r>
-              <a:rPr lang="en-US" smtClean="0"/>
+              <a:rPr lang="en-US"/>
               <a:t>Click to edit Master text styles</a:t>
             </a:r>
           </a:p>
           <a:p>
             <a:pPr lvl="1"/>
             <a:r>
-              <a:rPr lang="en-US" smtClean="0"/>
+              <a:rPr lang="en-US"/>
               <a:t>Second level</a:t>
             </a:r>
           </a:p>
           <a:p>
             <a:pPr lvl="2"/>
             <a:r>
-              <a:rPr lang="en-US" smtClean="0"/>
+              <a:rPr lang="en-US"/>
               <a:t>Third level</a:t>
             </a:r>
           </a:p>
           <a:p>
             <a:pPr lvl="3"/>
             <a:r>
-              <a:rPr lang="en-US" smtClean="0"/>
+              <a:rPr lang="en-US"/>
               <a:t>Fourth level</a:t>
             </a:r>
           </a:p>
           <a:p>
             <a:pPr lvl="4"/>
             <a:r>
-              <a:rPr lang="en-US" smtClean="0"/>
+              <a:rPr lang="en-US"/>
               <a:t>Fifth level</a:t>
             </a:r>
           </a:p>
@@ -1689,7 +1697,7 @@
           <a:p>
             <a:pPr lvl="0"/>
             <a:r>
-              <a:rPr lang="en-US" smtClean="0"/>
+              <a:rPr lang="en-US"/>
               <a:t>Click to edit Master title style</a:t>
             </a:r>
           </a:p>
@@ -1731,35 +1739,35 @@
           <a:p>
             <a:pPr lvl="0"/>
             <a:r>
-              <a:rPr lang="en-US" smtClean="0"/>
+              <a:rPr lang="en-US"/>
               <a:t>Click to edit Master text styles</a:t>
             </a:r>
           </a:p>
           <a:p>
             <a:pPr lvl="1"/>
             <a:r>
-              <a:rPr lang="en-US" smtClean="0"/>
+              <a:rPr lang="en-US"/>
               <a:t>Second level</a:t>
             </a:r>
           </a:p>
           <a:p>
             <a:pPr lvl="2"/>
             <a:r>
-              <a:rPr lang="en-US" smtClean="0"/>
+              <a:rPr lang="en-US"/>
               <a:t>Third level</a:t>
             </a:r>
           </a:p>
           <a:p>
             <a:pPr lvl="3"/>
             <a:r>
-              <a:rPr lang="en-US" smtClean="0"/>
+              <a:rPr lang="en-US"/>
               <a:t>Fourth level</a:t>
             </a:r>
           </a:p>
           <a:p>
             <a:pPr lvl="4"/>
             <a:r>
-              <a:rPr lang="en-US" smtClean="0"/>
+              <a:rPr lang="en-US"/>
               <a:t>Fifth level</a:t>
             </a:r>
           </a:p>
@@ -2311,8 +2319,8 @@
         </p:nvSpPr>
         <p:spPr>
           <a:xfrm>
-            <a:off x="597554" y="2854404"/>
-            <a:ext cx="7928774" cy="1107996"/>
+            <a:off x="477329" y="2854404"/>
+            <a:ext cx="8169224" cy="1107996"/>
           </a:xfrm>
           <a:prstGeom prst="rect">
             <a:avLst/>
@@ -2349,7 +2357,7 @@
               <a:defRPr/>
             </a:pPr>
             <a:r>
-              <a:rPr lang="en-US" sz="6600" b="1" kern="0" dirty="0" smtClean="0">
+              <a:rPr lang="en-US" sz="6600" b="1" kern="0" dirty="0">
                 <a:ln w="11430"/>
                 <a:solidFill>
                   <a:srgbClr val="FFFF00"/>
@@ -2361,24 +2369,10 @@
                     </a:srgbClr>
                   </a:outerShdw>
                 </a:effectLst>
-                <a:latin typeface="VNI-Garam" pitchFamily="34" charset="0"/>
+                <a:latin typeface="VNI-Times" pitchFamily="2" charset="0"/>
               </a:rPr>
               <a:t>ÔN CAO SAÂU ROÄNG</a:t>
             </a:r>
-            <a:endParaRPr lang="en-US" sz="6600" b="1" kern="0" dirty="0">
-              <a:ln w="11430"/>
-              <a:solidFill>
-                <a:srgbClr val="FFFF00"/>
-              </a:solidFill>
-              <a:effectLst>
-                <a:outerShdw blurRad="50800" dist="39000" dir="5460000" algn="tl">
-                  <a:srgbClr val="000000">
-                    <a:alpha val="38000"/>
-                  </a:srgbClr>
-                </a:outerShdw>
-              </a:effectLst>
-              <a:latin typeface="VNI-Garam" pitchFamily="34" charset="0"/>
-            </a:endParaRPr>
           </a:p>
         </p:txBody>
       </p:sp>
@@ -2406,34 +2400,21 @@
           <a:p>
             <a:pPr algn="ctr"/>
             <a:r>
-              <a:rPr lang="en-US" sz="3600" b="1" dirty="0" smtClean="0">
-                <a:solidFill>
-                  <a:schemeClr val="bg1"/>
-                </a:solidFill>
-                <a:effectLst>
-                  <a:glow rad="101600">
-                    <a:schemeClr val="tx1">
-                      <a:alpha val="60000"/>
-                    </a:schemeClr>
-                  </a:glow>
-                </a:effectLst>
-                <a:latin typeface="VNI-Eurasia" pitchFamily="2" charset="0"/>
+              <a:rPr lang="en-US" sz="3600" b="1" dirty="0">
+                <a:solidFill>
+                  <a:schemeClr val="bg1"/>
+                </a:solidFill>
+                <a:effectLst>
+                  <a:glow rad="101600">
+                    <a:schemeClr val="tx1">
+                      <a:alpha val="60000"/>
+                    </a:schemeClr>
+                  </a:glow>
+                </a:effectLst>
+                <a:latin typeface="VNI-Times" pitchFamily="2" charset="0"/>
               </a:rPr>
               <a:t>TOÂN VINH CHUÙA – THAÙNH CA 442</a:t>
             </a:r>
-            <a:endParaRPr lang="en-US" sz="3600" b="1" dirty="0">
-              <a:solidFill>
-                <a:schemeClr val="bg1"/>
-              </a:solidFill>
-              <a:effectLst>
-                <a:glow rad="101600">
-                  <a:schemeClr val="tx1">
-                    <a:alpha val="60000"/>
-                  </a:schemeClr>
-                </a:glow>
-              </a:effectLst>
-              <a:latin typeface="VNI-Eurasia" pitchFamily="2" charset="0"/>
-            </a:endParaRPr>
           </a:p>
         </p:txBody>
       </p:sp>
@@ -2454,13 +2435,6 @@
       </p:transition>
     </mc:Fallback>
   </mc:AlternateContent>
-  <p:timing>
-    <p:tnLst>
-      <p:par>
-        <p:cTn id="1" dur="indefinite" restart="never" nodeType="tmRoot"/>
-      </p:par>
-    </p:tnLst>
-  </p:timing>
 </p:sld>
 </file>
 
@@ -2505,7 +2479,7 @@
           <a:p>
             <a:pPr algn="ctr"/>
             <a:r>
-              <a:rPr lang="en-US" sz="3500" b="1" dirty="0" smtClean="0">
+              <a:rPr lang="en-US" sz="3500" b="1" dirty="0">
                 <a:solidFill>
                   <a:srgbClr val="FFFF00"/>
                 </a:solidFill>
@@ -2516,23 +2490,10 @@
                     </a:schemeClr>
                   </a:glow>
                 </a:effectLst>
-                <a:latin typeface="VNI-Garam" pitchFamily="34" charset="0"/>
+                <a:latin typeface="VNI-Times" pitchFamily="2" charset="0"/>
               </a:rPr>
               <a:t>THAÙNH CA 442 – ÔN CAO SAÂU ROÄNG</a:t>
             </a:r>
-            <a:endParaRPr lang="en-US" sz="3500" b="1" dirty="0">
-              <a:solidFill>
-                <a:srgbClr val="FFFF00"/>
-              </a:solidFill>
-              <a:effectLst>
-                <a:glow rad="101600">
-                  <a:schemeClr val="tx1">
-                    <a:alpha val="60000"/>
-                  </a:schemeClr>
-                </a:glow>
-              </a:effectLst>
-              <a:latin typeface="VNI-Garam" pitchFamily="34" charset="0"/>
-            </a:endParaRPr>
           </a:p>
         </p:txBody>
       </p:sp>
@@ -2560,193 +2521,193 @@
           <a:p>
             <a:pPr algn="ctr"/>
             <a:r>
-              <a:rPr lang="en-US" sz="6600" b="1" dirty="0" err="1" smtClean="0">
-                <a:solidFill>
-                  <a:schemeClr val="bg1"/>
-                </a:solidFill>
-                <a:effectLst>
-                  <a:glow rad="101600">
-                    <a:schemeClr val="tx1">
-                      <a:alpha val="60000"/>
-                    </a:schemeClr>
-                  </a:glow>
-                </a:effectLst>
-                <a:latin typeface="VNI-Aptima" pitchFamily="2" charset="0"/>
+              <a:rPr lang="en-US" sz="6600" b="1" dirty="0" err="1">
+                <a:solidFill>
+                  <a:schemeClr val="bg1"/>
+                </a:solidFill>
+                <a:effectLst>
+                  <a:glow rad="101600">
+                    <a:schemeClr val="tx1">
+                      <a:alpha val="60000"/>
+                    </a:schemeClr>
+                  </a:glow>
+                </a:effectLst>
+                <a:latin typeface="VNI-Times" pitchFamily="2" charset="0"/>
               </a:rPr>
               <a:t>OÂi</a:t>
             </a:r>
             <a:r>
-              <a:rPr lang="en-US" sz="6600" b="1" dirty="0" smtClean="0">
-                <a:solidFill>
-                  <a:schemeClr val="bg1"/>
-                </a:solidFill>
-                <a:effectLst>
-                  <a:glow rad="101600">
-                    <a:schemeClr val="tx1">
-                      <a:alpha val="60000"/>
-                    </a:schemeClr>
-                  </a:glow>
-                </a:effectLst>
-                <a:latin typeface="VNI-Aptima" pitchFamily="2" charset="0"/>
+              <a:rPr lang="en-US" sz="6600" b="1" dirty="0">
+                <a:solidFill>
+                  <a:schemeClr val="bg1"/>
+                </a:solidFill>
+                <a:effectLst>
+                  <a:glow rad="101600">
+                    <a:schemeClr val="tx1">
+                      <a:alpha val="60000"/>
+                    </a:schemeClr>
+                  </a:glow>
+                </a:effectLst>
+                <a:latin typeface="VNI-Times" pitchFamily="2" charset="0"/>
               </a:rPr>
               <a:t>, </a:t>
             </a:r>
             <a:r>
-              <a:rPr lang="en-US" sz="6600" b="1" dirty="0" err="1" smtClean="0">
-                <a:solidFill>
-                  <a:schemeClr val="bg1"/>
-                </a:solidFill>
-                <a:effectLst>
-                  <a:glow rad="101600">
-                    <a:schemeClr val="tx1">
-                      <a:alpha val="60000"/>
-                    </a:schemeClr>
-                  </a:glow>
-                </a:effectLst>
-                <a:latin typeface="VNI-Aptima" pitchFamily="2" charset="0"/>
+              <a:rPr lang="en-US" sz="6600" b="1" dirty="0" err="1">
+                <a:solidFill>
+                  <a:schemeClr val="bg1"/>
+                </a:solidFill>
+                <a:effectLst>
+                  <a:glow rad="101600">
+                    <a:schemeClr val="tx1">
+                      <a:alpha val="60000"/>
+                    </a:schemeClr>
+                  </a:glow>
+                </a:effectLst>
+                <a:latin typeface="VNI-Times" pitchFamily="2" charset="0"/>
               </a:rPr>
               <a:t>cao</a:t>
             </a:r>
             <a:r>
-              <a:rPr lang="en-US" sz="6600" b="1" dirty="0" smtClean="0">
-                <a:solidFill>
-                  <a:schemeClr val="bg1"/>
-                </a:solidFill>
-                <a:effectLst>
-                  <a:glow rad="101600">
-                    <a:schemeClr val="tx1">
-                      <a:alpha val="60000"/>
-                    </a:schemeClr>
-                  </a:glow>
-                </a:effectLst>
-                <a:latin typeface="VNI-Aptima" pitchFamily="2" charset="0"/>
+              <a:rPr lang="en-US" sz="6600" b="1" dirty="0">
+                <a:solidFill>
+                  <a:schemeClr val="bg1"/>
+                </a:solidFill>
+                <a:effectLst>
+                  <a:glow rad="101600">
+                    <a:schemeClr val="tx1">
+                      <a:alpha val="60000"/>
+                    </a:schemeClr>
+                  </a:glow>
+                </a:effectLst>
+                <a:latin typeface="VNI-Times" pitchFamily="2" charset="0"/>
               </a:rPr>
               <a:t>, </a:t>
             </a:r>
             <a:r>
-              <a:rPr lang="en-US" sz="6600" b="1" dirty="0" err="1" smtClean="0">
-                <a:solidFill>
-                  <a:schemeClr val="bg1"/>
-                </a:solidFill>
-                <a:effectLst>
-                  <a:glow rad="101600">
-                    <a:schemeClr val="tx1">
-                      <a:alpha val="60000"/>
-                    </a:schemeClr>
-                  </a:glow>
-                </a:effectLst>
-                <a:latin typeface="VNI-Aptima" pitchFamily="2" charset="0"/>
+              <a:rPr lang="en-US" sz="6600" b="1" dirty="0" err="1">
+                <a:solidFill>
+                  <a:schemeClr val="bg1"/>
+                </a:solidFill>
+                <a:effectLst>
+                  <a:glow rad="101600">
+                    <a:schemeClr val="tx1">
+                      <a:alpha val="60000"/>
+                    </a:schemeClr>
+                  </a:glow>
+                </a:effectLst>
+                <a:latin typeface="VNI-Times" pitchFamily="2" charset="0"/>
               </a:rPr>
               <a:t>cao</a:t>
             </a:r>
             <a:r>
-              <a:rPr lang="en-US" sz="6600" b="1" dirty="0" smtClean="0">
-                <a:solidFill>
-                  <a:schemeClr val="bg1"/>
-                </a:solidFill>
-                <a:effectLst>
-                  <a:glow rad="101600">
-                    <a:schemeClr val="tx1">
-                      <a:alpha val="60000"/>
-                    </a:schemeClr>
-                  </a:glow>
-                </a:effectLst>
-                <a:latin typeface="VNI-Aptima" pitchFamily="2" charset="0"/>
+              <a:rPr lang="en-US" sz="6600" b="1" dirty="0">
+                <a:solidFill>
+                  <a:schemeClr val="bg1"/>
+                </a:solidFill>
+                <a:effectLst>
+                  <a:glow rad="101600">
+                    <a:schemeClr val="tx1">
+                      <a:alpha val="60000"/>
+                    </a:schemeClr>
+                  </a:glow>
+                </a:effectLst>
+                <a:latin typeface="VNI-Times" pitchFamily="2" charset="0"/>
               </a:rPr>
               <a:t> </a:t>
             </a:r>
             <a:br>
-              <a:rPr lang="en-US" sz="6600" b="1" dirty="0" smtClean="0">
-                <a:solidFill>
-                  <a:schemeClr val="bg1"/>
-                </a:solidFill>
-                <a:effectLst>
-                  <a:glow rad="101600">
-                    <a:schemeClr val="tx1">
-                      <a:alpha val="60000"/>
-                    </a:schemeClr>
-                  </a:glow>
-                </a:effectLst>
-                <a:latin typeface="VNI-Aptima" pitchFamily="2" charset="0"/>
+              <a:rPr lang="en-US" sz="6600" b="1" dirty="0">
+                <a:solidFill>
+                  <a:schemeClr val="bg1"/>
+                </a:solidFill>
+                <a:effectLst>
+                  <a:glow rad="101600">
+                    <a:schemeClr val="tx1">
+                      <a:alpha val="60000"/>
+                    </a:schemeClr>
+                  </a:glow>
+                </a:effectLst>
+                <a:latin typeface="VNI-Times" pitchFamily="2" charset="0"/>
               </a:rPr>
             </a:br>
             <a:r>
-              <a:rPr lang="en-US" sz="6600" b="1" dirty="0" err="1" smtClean="0">
-                <a:solidFill>
-                  <a:schemeClr val="bg1"/>
-                </a:solidFill>
-                <a:effectLst>
-                  <a:glow rad="101600">
-                    <a:schemeClr val="tx1">
-                      <a:alpha val="60000"/>
-                    </a:schemeClr>
-                  </a:glow>
-                </a:effectLst>
-                <a:latin typeface="VNI-Aptima" pitchFamily="2" charset="0"/>
+              <a:rPr lang="en-US" sz="6600" b="1" dirty="0" err="1">
+                <a:solidFill>
+                  <a:schemeClr val="bg1"/>
+                </a:solidFill>
+                <a:effectLst>
+                  <a:glow rad="101600">
+                    <a:schemeClr val="tx1">
+                      <a:alpha val="60000"/>
+                    </a:schemeClr>
+                  </a:glow>
+                </a:effectLst>
+                <a:latin typeface="VNI-Times" pitchFamily="2" charset="0"/>
               </a:rPr>
               <a:t>hôn</a:t>
             </a:r>
             <a:r>
-              <a:rPr lang="en-US" sz="6600" b="1" dirty="0" smtClean="0">
-                <a:solidFill>
-                  <a:schemeClr val="bg1"/>
-                </a:solidFill>
-                <a:effectLst>
-                  <a:glow rad="101600">
-                    <a:schemeClr val="tx1">
-                      <a:alpha val="60000"/>
-                    </a:schemeClr>
-                  </a:glow>
-                </a:effectLst>
-                <a:latin typeface="VNI-Aptima" pitchFamily="2" charset="0"/>
+              <a:rPr lang="en-US" sz="6600" b="1" dirty="0">
+                <a:solidFill>
+                  <a:schemeClr val="bg1"/>
+                </a:solidFill>
+                <a:effectLst>
+                  <a:glow rad="101600">
+                    <a:schemeClr val="tx1">
+                      <a:alpha val="60000"/>
+                    </a:schemeClr>
+                  </a:glow>
+                </a:effectLst>
+                <a:latin typeface="VNI-Times" pitchFamily="2" charset="0"/>
               </a:rPr>
               <a:t> </a:t>
             </a:r>
             <a:r>
-              <a:rPr lang="en-US" sz="6600" b="1" dirty="0" err="1" smtClean="0">
-                <a:solidFill>
-                  <a:schemeClr val="bg1"/>
-                </a:solidFill>
-                <a:effectLst>
-                  <a:glow rad="101600">
-                    <a:schemeClr val="tx1">
-                      <a:alpha val="60000"/>
-                    </a:schemeClr>
-                  </a:glow>
-                </a:effectLst>
-                <a:latin typeface="VNI-Aptima" pitchFamily="2" charset="0"/>
+              <a:rPr lang="en-US" sz="6600" b="1" dirty="0" err="1">
+                <a:solidFill>
+                  <a:schemeClr val="bg1"/>
+                </a:solidFill>
+                <a:effectLst>
+                  <a:glow rad="101600">
+                    <a:schemeClr val="tx1">
+                      <a:alpha val="60000"/>
+                    </a:schemeClr>
+                  </a:glow>
+                </a:effectLst>
+                <a:latin typeface="VNI-Times" pitchFamily="2" charset="0"/>
               </a:rPr>
               <a:t>thieân</a:t>
             </a:r>
             <a:r>
-              <a:rPr lang="en-US" sz="6600" b="1" dirty="0" smtClean="0">
-                <a:solidFill>
-                  <a:schemeClr val="bg1"/>
-                </a:solidFill>
-                <a:effectLst>
-                  <a:glow rad="101600">
-                    <a:schemeClr val="tx1">
-                      <a:alpha val="60000"/>
-                    </a:schemeClr>
-                  </a:glow>
-                </a:effectLst>
-                <a:latin typeface="VNI-Aptima" pitchFamily="2" charset="0"/>
+              <a:rPr lang="en-US" sz="6600" b="1" dirty="0">
+                <a:solidFill>
+                  <a:schemeClr val="bg1"/>
+                </a:solidFill>
+                <a:effectLst>
+                  <a:glow rad="101600">
+                    <a:schemeClr val="tx1">
+                      <a:alpha val="60000"/>
+                    </a:schemeClr>
+                  </a:glow>
+                </a:effectLst>
+                <a:latin typeface="VNI-Times" pitchFamily="2" charset="0"/>
               </a:rPr>
               <a:t> </a:t>
             </a:r>
             <a:r>
-              <a:rPr lang="en-US" sz="6600" b="1" dirty="0" err="1" smtClean="0">
-                <a:solidFill>
-                  <a:schemeClr val="bg1"/>
-                </a:solidFill>
-                <a:effectLst>
-                  <a:glow rad="101600">
-                    <a:schemeClr val="tx1">
-                      <a:alpha val="60000"/>
-                    </a:schemeClr>
-                  </a:glow>
-                </a:effectLst>
-                <a:latin typeface="VNI-Aptima" pitchFamily="2" charset="0"/>
+              <a:rPr lang="en-US" sz="6600" b="1" dirty="0" err="1">
+                <a:solidFill>
+                  <a:schemeClr val="bg1"/>
+                </a:solidFill>
+                <a:effectLst>
+                  <a:glow rad="101600">
+                    <a:schemeClr val="tx1">
+                      <a:alpha val="60000"/>
+                    </a:schemeClr>
+                  </a:glow>
+                </a:effectLst>
+                <a:latin typeface="VNI-Times" pitchFamily="2" charset="0"/>
               </a:rPr>
               <a:t>ñaøng</a:t>
             </a:r>
@@ -2762,277 +2723,261 @@
                     </a:schemeClr>
                   </a:glow>
                 </a:effectLst>
-                <a:latin typeface="VNI-Aptima" pitchFamily="2" charset="0"/>
+                <a:latin typeface="VNI-Times" pitchFamily="2" charset="0"/>
               </a:rPr>
               <a:t>,</a:t>
             </a:r>
-            <a:r>
-              <a:rPr lang="en-US" sz="6600" b="1" dirty="0" smtClean="0">
-                <a:solidFill>
-                  <a:schemeClr val="bg1"/>
-                </a:solidFill>
-                <a:effectLst>
-                  <a:glow rad="101600">
-                    <a:schemeClr val="tx1">
-                      <a:alpha val="60000"/>
-                    </a:schemeClr>
-                  </a:glow>
-                </a:effectLst>
-                <a:latin typeface="VNI-Aptima" pitchFamily="2" charset="0"/>
-              </a:rPr>
-              <a:t/>
-            </a:r>
             <a:br>
-              <a:rPr lang="en-US" sz="6600" b="1" dirty="0" smtClean="0">
-                <a:solidFill>
-                  <a:schemeClr val="bg1"/>
-                </a:solidFill>
-                <a:effectLst>
-                  <a:glow rad="101600">
-                    <a:schemeClr val="tx1">
-                      <a:alpha val="60000"/>
-                    </a:schemeClr>
-                  </a:glow>
-                </a:effectLst>
-                <a:latin typeface="VNI-Aptima" pitchFamily="2" charset="0"/>
+              <a:rPr lang="en-US" sz="6600" b="1" dirty="0">
+                <a:solidFill>
+                  <a:schemeClr val="bg1"/>
+                </a:solidFill>
+                <a:effectLst>
+                  <a:glow rad="101600">
+                    <a:schemeClr val="tx1">
+                      <a:alpha val="60000"/>
+                    </a:schemeClr>
+                  </a:glow>
+                </a:effectLst>
+                <a:latin typeface="VNI-Times" pitchFamily="2" charset="0"/>
               </a:rPr>
             </a:br>
             <a:r>
-              <a:rPr lang="en-US" sz="6600" b="1" dirty="0" err="1" smtClean="0">
-                <a:solidFill>
-                  <a:schemeClr val="bg1"/>
-                </a:solidFill>
-                <a:effectLst>
-                  <a:glow rad="101600">
-                    <a:schemeClr val="tx1">
-                      <a:alpha val="60000"/>
-                    </a:schemeClr>
-                  </a:glow>
-                </a:effectLst>
-                <a:latin typeface="VNI-Aptima" pitchFamily="2" charset="0"/>
+              <a:rPr lang="en-US" sz="6600" b="1" dirty="0" err="1">
+                <a:solidFill>
+                  <a:schemeClr val="bg1"/>
+                </a:solidFill>
+                <a:effectLst>
+                  <a:glow rad="101600">
+                    <a:schemeClr val="tx1">
+                      <a:alpha val="60000"/>
+                    </a:schemeClr>
+                  </a:glow>
+                </a:effectLst>
+                <a:latin typeface="VNI-Times" pitchFamily="2" charset="0"/>
               </a:rPr>
               <a:t>roäng</a:t>
             </a:r>
             <a:r>
-              <a:rPr lang="en-US" sz="6600" b="1" dirty="0" smtClean="0">
-                <a:solidFill>
-                  <a:schemeClr val="bg1"/>
-                </a:solidFill>
-                <a:effectLst>
-                  <a:glow rad="101600">
-                    <a:schemeClr val="tx1">
-                      <a:alpha val="60000"/>
-                    </a:schemeClr>
-                  </a:glow>
-                </a:effectLst>
-                <a:latin typeface="VNI-Aptima" pitchFamily="2" charset="0"/>
+              <a:rPr lang="en-US" sz="6600" b="1" dirty="0">
+                <a:solidFill>
+                  <a:schemeClr val="bg1"/>
+                </a:solidFill>
+                <a:effectLst>
+                  <a:glow rad="101600">
+                    <a:schemeClr val="tx1">
+                      <a:alpha val="60000"/>
+                    </a:schemeClr>
+                  </a:glow>
+                </a:effectLst>
+                <a:latin typeface="VNI-Times" pitchFamily="2" charset="0"/>
               </a:rPr>
               <a:t>, </a:t>
             </a:r>
             <a:r>
-              <a:rPr lang="en-US" sz="6600" b="1" dirty="0" err="1" smtClean="0">
-                <a:solidFill>
-                  <a:schemeClr val="bg1"/>
-                </a:solidFill>
-                <a:effectLst>
-                  <a:glow rad="101600">
-                    <a:schemeClr val="tx1">
-                      <a:alpha val="60000"/>
-                    </a:schemeClr>
-                  </a:glow>
-                </a:effectLst>
-                <a:latin typeface="VNI-Aptima" pitchFamily="2" charset="0"/>
+              <a:rPr lang="en-US" sz="6600" b="1" dirty="0" err="1">
+                <a:solidFill>
+                  <a:schemeClr val="bg1"/>
+                </a:solidFill>
+                <a:effectLst>
+                  <a:glow rad="101600">
+                    <a:schemeClr val="tx1">
+                      <a:alpha val="60000"/>
+                    </a:schemeClr>
+                  </a:glow>
+                </a:effectLst>
+                <a:latin typeface="VNI-Times" pitchFamily="2" charset="0"/>
               </a:rPr>
               <a:t>roäng</a:t>
             </a:r>
             <a:r>
-              <a:rPr lang="en-US" sz="6600" b="1" dirty="0" smtClean="0">
-                <a:solidFill>
-                  <a:schemeClr val="bg1"/>
-                </a:solidFill>
-                <a:effectLst>
-                  <a:glow rad="101600">
-                    <a:schemeClr val="tx1">
-                      <a:alpha val="60000"/>
-                    </a:schemeClr>
-                  </a:glow>
-                </a:effectLst>
-                <a:latin typeface="VNI-Aptima" pitchFamily="2" charset="0"/>
+              <a:rPr lang="en-US" sz="6600" b="1" dirty="0">
+                <a:solidFill>
+                  <a:schemeClr val="bg1"/>
+                </a:solidFill>
+                <a:effectLst>
+                  <a:glow rad="101600">
+                    <a:schemeClr val="tx1">
+                      <a:alpha val="60000"/>
+                    </a:schemeClr>
+                  </a:glow>
+                </a:effectLst>
+                <a:latin typeface="VNI-Times" pitchFamily="2" charset="0"/>
               </a:rPr>
               <a:t> </a:t>
             </a:r>
             <a:r>
-              <a:rPr lang="en-US" sz="6600" b="1" dirty="0" err="1" smtClean="0">
-                <a:solidFill>
-                  <a:schemeClr val="bg1"/>
-                </a:solidFill>
-                <a:effectLst>
-                  <a:glow rad="101600">
-                    <a:schemeClr val="tx1">
-                      <a:alpha val="60000"/>
-                    </a:schemeClr>
-                  </a:glow>
-                </a:effectLst>
-                <a:latin typeface="VNI-Aptima" pitchFamily="2" charset="0"/>
+              <a:rPr lang="en-US" sz="6600" b="1" dirty="0" err="1">
+                <a:solidFill>
+                  <a:schemeClr val="bg1"/>
+                </a:solidFill>
+                <a:effectLst>
+                  <a:glow rad="101600">
+                    <a:schemeClr val="tx1">
+                      <a:alpha val="60000"/>
+                    </a:schemeClr>
+                  </a:glow>
+                </a:effectLst>
+                <a:latin typeface="VNI-Times" pitchFamily="2" charset="0"/>
               </a:rPr>
               <a:t>vöôït</a:t>
             </a:r>
             <a:r>
-              <a:rPr lang="en-US" sz="6600" b="1" dirty="0" smtClean="0">
-                <a:solidFill>
-                  <a:schemeClr val="bg1"/>
-                </a:solidFill>
-                <a:effectLst>
-                  <a:glow rad="101600">
-                    <a:schemeClr val="tx1">
-                      <a:alpha val="60000"/>
-                    </a:schemeClr>
-                  </a:glow>
-                </a:effectLst>
-                <a:latin typeface="VNI-Aptima" pitchFamily="2" charset="0"/>
+              <a:rPr lang="en-US" sz="6600" b="1" dirty="0">
+                <a:solidFill>
+                  <a:schemeClr val="bg1"/>
+                </a:solidFill>
+                <a:effectLst>
+                  <a:glow rad="101600">
+                    <a:schemeClr val="tx1">
+                      <a:alpha val="60000"/>
+                    </a:schemeClr>
+                  </a:glow>
+                </a:effectLst>
+                <a:latin typeface="VNI-Times" pitchFamily="2" charset="0"/>
               </a:rPr>
               <a:t> </a:t>
             </a:r>
             <a:br>
-              <a:rPr lang="en-US" sz="6600" b="1" dirty="0" smtClean="0">
-                <a:solidFill>
-                  <a:schemeClr val="bg1"/>
-                </a:solidFill>
-                <a:effectLst>
-                  <a:glow rad="101600">
-                    <a:schemeClr val="tx1">
-                      <a:alpha val="60000"/>
-                    </a:schemeClr>
-                  </a:glow>
-                </a:effectLst>
-                <a:latin typeface="VNI-Aptima" pitchFamily="2" charset="0"/>
+              <a:rPr lang="en-US" sz="6600" b="1" dirty="0">
+                <a:solidFill>
+                  <a:schemeClr val="bg1"/>
+                </a:solidFill>
+                <a:effectLst>
+                  <a:glow rad="101600">
+                    <a:schemeClr val="tx1">
+                      <a:alpha val="60000"/>
+                    </a:schemeClr>
+                  </a:glow>
+                </a:effectLst>
+                <a:latin typeface="VNI-Times" pitchFamily="2" charset="0"/>
               </a:rPr>
             </a:br>
             <a:r>
-              <a:rPr lang="en-US" sz="6600" b="1" dirty="0" err="1" smtClean="0">
-                <a:solidFill>
-                  <a:schemeClr val="bg1"/>
-                </a:solidFill>
-                <a:effectLst>
-                  <a:glow rad="101600">
-                    <a:schemeClr val="tx1">
-                      <a:alpha val="60000"/>
-                    </a:schemeClr>
-                  </a:glow>
-                </a:effectLst>
-                <a:latin typeface="VNI-Aptima" pitchFamily="2" charset="0"/>
+              <a:rPr lang="en-US" sz="6600" b="1" dirty="0" err="1">
+                <a:solidFill>
+                  <a:schemeClr val="bg1"/>
+                </a:solidFill>
+                <a:effectLst>
+                  <a:glow rad="101600">
+                    <a:schemeClr val="tx1">
+                      <a:alpha val="60000"/>
+                    </a:schemeClr>
+                  </a:glow>
+                </a:effectLst>
+                <a:latin typeface="VNI-Times" pitchFamily="2" charset="0"/>
               </a:rPr>
               <a:t>ñaïi</a:t>
             </a:r>
             <a:r>
-              <a:rPr lang="en-US" sz="6600" b="1" dirty="0" smtClean="0">
-                <a:solidFill>
-                  <a:schemeClr val="bg1"/>
-                </a:solidFill>
-                <a:effectLst>
-                  <a:glow rad="101600">
-                    <a:schemeClr val="tx1">
-                      <a:alpha val="60000"/>
-                    </a:schemeClr>
-                  </a:glow>
-                </a:effectLst>
-                <a:latin typeface="VNI-Aptima" pitchFamily="2" charset="0"/>
+              <a:rPr lang="en-US" sz="6600" b="1" dirty="0">
+                <a:solidFill>
+                  <a:schemeClr val="bg1"/>
+                </a:solidFill>
+                <a:effectLst>
+                  <a:glow rad="101600">
+                    <a:schemeClr val="tx1">
+                      <a:alpha val="60000"/>
+                    </a:schemeClr>
+                  </a:glow>
+                </a:effectLst>
+                <a:latin typeface="VNI-Times" pitchFamily="2" charset="0"/>
               </a:rPr>
               <a:t> </a:t>
             </a:r>
             <a:r>
-              <a:rPr lang="en-US" sz="6600" b="1" dirty="0" err="1" smtClean="0">
-                <a:solidFill>
-                  <a:schemeClr val="bg1"/>
-                </a:solidFill>
-                <a:effectLst>
-                  <a:glow rad="101600">
-                    <a:schemeClr val="tx1">
-                      <a:alpha val="60000"/>
-                    </a:schemeClr>
-                  </a:glow>
-                </a:effectLst>
-                <a:latin typeface="VNI-Aptima" pitchFamily="2" charset="0"/>
+              <a:rPr lang="en-US" sz="6600" b="1" dirty="0" err="1">
+                <a:solidFill>
+                  <a:schemeClr val="bg1"/>
+                </a:solidFill>
+                <a:effectLst>
+                  <a:glow rad="101600">
+                    <a:schemeClr val="tx1">
+                      <a:alpha val="60000"/>
+                    </a:schemeClr>
+                  </a:glow>
+                </a:effectLst>
+                <a:latin typeface="VNI-Times" pitchFamily="2" charset="0"/>
               </a:rPr>
               <a:t>döông</a:t>
             </a:r>
             <a:r>
-              <a:rPr lang="en-US" sz="6600" b="1" dirty="0" smtClean="0">
-                <a:solidFill>
-                  <a:schemeClr val="bg1"/>
-                </a:solidFill>
-                <a:effectLst>
-                  <a:glow rad="101600">
-                    <a:schemeClr val="tx1">
-                      <a:alpha val="60000"/>
-                    </a:schemeClr>
-                  </a:glow>
-                </a:effectLst>
-                <a:latin typeface="VNI-Aptima" pitchFamily="2" charset="0"/>
+              <a:rPr lang="en-US" sz="6600" b="1" dirty="0">
+                <a:solidFill>
+                  <a:schemeClr val="bg1"/>
+                </a:solidFill>
+                <a:effectLst>
+                  <a:glow rad="101600">
+                    <a:schemeClr val="tx1">
+                      <a:alpha val="60000"/>
+                    </a:schemeClr>
+                  </a:glow>
+                </a:effectLst>
+                <a:latin typeface="VNI-Times" pitchFamily="2" charset="0"/>
               </a:rPr>
               <a:t> </a:t>
             </a:r>
             <a:r>
-              <a:rPr lang="en-US" sz="6600" b="1" dirty="0" err="1" smtClean="0">
-                <a:solidFill>
-                  <a:schemeClr val="bg1"/>
-                </a:solidFill>
-                <a:effectLst>
-                  <a:glow rad="101600">
-                    <a:schemeClr val="tx1">
-                      <a:alpha val="60000"/>
-                    </a:schemeClr>
-                  </a:glow>
-                </a:effectLst>
-                <a:latin typeface="VNI-Aptima" pitchFamily="2" charset="0"/>
+              <a:rPr lang="en-US" sz="6600" b="1" dirty="0" err="1">
+                <a:solidFill>
+                  <a:schemeClr val="bg1"/>
+                </a:solidFill>
+                <a:effectLst>
+                  <a:glow rad="101600">
+                    <a:schemeClr val="tx1">
+                      <a:alpha val="60000"/>
+                    </a:schemeClr>
+                  </a:glow>
+                </a:effectLst>
+                <a:latin typeface="VNI-Times" pitchFamily="2" charset="0"/>
               </a:rPr>
               <a:t>lai</a:t>
             </a:r>
             <a:r>
-              <a:rPr lang="en-US" sz="6600" b="1" dirty="0" smtClean="0">
-                <a:solidFill>
-                  <a:schemeClr val="bg1"/>
-                </a:solidFill>
-                <a:effectLst>
-                  <a:glow rad="101600">
-                    <a:schemeClr val="tx1">
-                      <a:alpha val="60000"/>
-                    </a:schemeClr>
-                  </a:glow>
-                </a:effectLst>
-                <a:latin typeface="VNI-Aptima" pitchFamily="2" charset="0"/>
+              <a:rPr lang="en-US" sz="6600" b="1" dirty="0">
+                <a:solidFill>
+                  <a:schemeClr val="bg1"/>
+                </a:solidFill>
+                <a:effectLst>
+                  <a:glow rad="101600">
+                    <a:schemeClr val="tx1">
+                      <a:alpha val="60000"/>
+                    </a:schemeClr>
+                  </a:glow>
+                </a:effectLst>
+                <a:latin typeface="VNI-Times" pitchFamily="2" charset="0"/>
               </a:rPr>
               <a:t> </a:t>
             </a:r>
             <a:r>
-              <a:rPr lang="en-US" sz="6600" b="1" dirty="0" err="1" smtClean="0">
-                <a:solidFill>
-                  <a:schemeClr val="bg1"/>
-                </a:solidFill>
-                <a:effectLst>
-                  <a:glow rad="101600">
-                    <a:schemeClr val="tx1">
-                      <a:alpha val="60000"/>
-                    </a:schemeClr>
-                  </a:glow>
-                </a:effectLst>
-                <a:latin typeface="VNI-Aptima" pitchFamily="2" charset="0"/>
+              <a:rPr lang="en-US" sz="6600" b="1" dirty="0" err="1">
+                <a:solidFill>
+                  <a:schemeClr val="bg1"/>
+                </a:solidFill>
+                <a:effectLst>
+                  <a:glow rad="101600">
+                    <a:schemeClr val="tx1">
+                      <a:alpha val="60000"/>
+                    </a:schemeClr>
+                  </a:glow>
+                </a:effectLst>
+                <a:latin typeface="VNI-Times" pitchFamily="2" charset="0"/>
               </a:rPr>
               <a:t>laùng</a:t>
             </a:r>
             <a:r>
-              <a:rPr lang="en-US" sz="6600" b="1" dirty="0" smtClean="0">
-                <a:solidFill>
-                  <a:schemeClr val="bg1"/>
-                </a:solidFill>
-                <a:effectLst>
-                  <a:glow rad="101600">
-                    <a:schemeClr val="tx1">
-                      <a:alpha val="60000"/>
-                    </a:schemeClr>
-                  </a:glow>
-                </a:effectLst>
-                <a:latin typeface="VNI-Aptima" pitchFamily="2" charset="0"/>
+              <a:rPr lang="en-US" sz="6600" b="1" dirty="0">
+                <a:solidFill>
+                  <a:schemeClr val="bg1"/>
+                </a:solidFill>
+                <a:effectLst>
+                  <a:glow rad="101600">
+                    <a:schemeClr val="tx1">
+                      <a:alpha val="60000"/>
+                    </a:schemeClr>
+                  </a:glow>
+                </a:effectLst>
+                <a:latin typeface="VNI-Times" pitchFamily="2" charset="0"/>
               </a:rPr>
               <a:t>.</a:t>
             </a:r>
@@ -3056,13 +3001,6 @@
       </p:transition>
     </mc:Fallback>
   </mc:AlternateContent>
-  <p:timing>
-    <p:tnLst>
-      <p:par>
-        <p:cTn id="1" dur="indefinite" restart="never" nodeType="tmRoot"/>
-      </p:par>
-    </p:tnLst>
-  </p:timing>
 </p:sld>
 </file>
 
@@ -3107,369 +3045,369 @@
           <a:p>
             <a:pPr algn="ctr"/>
             <a:r>
-              <a:rPr lang="en-US" sz="6600" b="1" dirty="0" err="1" smtClean="0">
-                <a:solidFill>
-                  <a:schemeClr val="bg1"/>
-                </a:solidFill>
-                <a:effectLst>
-                  <a:glow rad="101600">
-                    <a:schemeClr val="tx1">
-                      <a:alpha val="60000"/>
-                    </a:schemeClr>
-                  </a:glow>
-                </a:effectLst>
-                <a:latin typeface="VNI-Aptima" pitchFamily="2" charset="0"/>
+              <a:rPr lang="en-US" sz="6600" b="1" dirty="0" err="1">
+                <a:solidFill>
+                  <a:schemeClr val="bg1"/>
+                </a:solidFill>
+                <a:effectLst>
+                  <a:glow rad="101600">
+                    <a:schemeClr val="tx1">
+                      <a:alpha val="60000"/>
+                    </a:schemeClr>
+                  </a:glow>
+                </a:effectLst>
+                <a:latin typeface="VNI-Times" pitchFamily="2" charset="0"/>
               </a:rPr>
               <a:t>Saâu</a:t>
             </a:r>
             <a:r>
-              <a:rPr lang="en-US" sz="6600" b="1" dirty="0" smtClean="0">
-                <a:solidFill>
-                  <a:schemeClr val="bg1"/>
-                </a:solidFill>
-                <a:effectLst>
-                  <a:glow rad="101600">
-                    <a:schemeClr val="tx1">
-                      <a:alpha val="60000"/>
-                    </a:schemeClr>
-                  </a:glow>
-                </a:effectLst>
-                <a:latin typeface="VNI-Aptima" pitchFamily="2" charset="0"/>
+              <a:rPr lang="en-US" sz="6600" b="1" dirty="0">
+                <a:solidFill>
+                  <a:schemeClr val="bg1"/>
+                </a:solidFill>
+                <a:effectLst>
+                  <a:glow rad="101600">
+                    <a:schemeClr val="tx1">
+                      <a:alpha val="60000"/>
+                    </a:schemeClr>
+                  </a:glow>
+                </a:effectLst>
+                <a:latin typeface="VNI-Times" pitchFamily="2" charset="0"/>
               </a:rPr>
               <a:t> </a:t>
             </a:r>
             <a:r>
-              <a:rPr lang="en-US" sz="6600" b="1" dirty="0" err="1" smtClean="0">
-                <a:solidFill>
-                  <a:schemeClr val="bg1"/>
-                </a:solidFill>
-                <a:effectLst>
-                  <a:glow rad="101600">
-                    <a:schemeClr val="tx1">
-                      <a:alpha val="60000"/>
-                    </a:schemeClr>
-                  </a:glow>
-                </a:effectLst>
-                <a:latin typeface="VNI-Aptima" pitchFamily="2" charset="0"/>
+              <a:rPr lang="en-US" sz="6600" b="1" dirty="0" err="1">
+                <a:solidFill>
+                  <a:schemeClr val="bg1"/>
+                </a:solidFill>
+                <a:effectLst>
+                  <a:glow rad="101600">
+                    <a:schemeClr val="tx1">
+                      <a:alpha val="60000"/>
+                    </a:schemeClr>
+                  </a:glow>
+                </a:effectLst>
+                <a:latin typeface="VNI-Times" pitchFamily="2" charset="0"/>
               </a:rPr>
               <a:t>nhö</a:t>
             </a:r>
             <a:r>
-              <a:rPr lang="en-US" sz="6600" b="1" dirty="0" smtClean="0">
-                <a:solidFill>
-                  <a:schemeClr val="bg1"/>
-                </a:solidFill>
-                <a:effectLst>
-                  <a:glow rad="101600">
-                    <a:schemeClr val="tx1">
-                      <a:alpha val="60000"/>
-                    </a:schemeClr>
-                  </a:glow>
-                </a:effectLst>
-                <a:latin typeface="VNI-Aptima" pitchFamily="2" charset="0"/>
+              <a:rPr lang="en-US" sz="6600" b="1" dirty="0">
+                <a:solidFill>
+                  <a:schemeClr val="bg1"/>
+                </a:solidFill>
+                <a:effectLst>
+                  <a:glow rad="101600">
+                    <a:schemeClr val="tx1">
+                      <a:alpha val="60000"/>
+                    </a:schemeClr>
+                  </a:glow>
+                </a:effectLst>
+                <a:latin typeface="VNI-Times" pitchFamily="2" charset="0"/>
               </a:rPr>
               <a:t> </a:t>
             </a:r>
             <a:r>
-              <a:rPr lang="en-US" sz="6600" b="1" dirty="0" err="1" smtClean="0">
-                <a:solidFill>
-                  <a:schemeClr val="bg1"/>
-                </a:solidFill>
-                <a:effectLst>
-                  <a:glow rad="101600">
-                    <a:schemeClr val="tx1">
-                      <a:alpha val="60000"/>
-                    </a:schemeClr>
-                  </a:glow>
-                </a:effectLst>
-                <a:latin typeface="VNI-Aptima" pitchFamily="2" charset="0"/>
+              <a:rPr lang="en-US" sz="6600" b="1" dirty="0" err="1">
+                <a:solidFill>
+                  <a:schemeClr val="bg1"/>
+                </a:solidFill>
+                <a:effectLst>
+                  <a:glow rad="101600">
+                    <a:schemeClr val="tx1">
+                      <a:alpha val="60000"/>
+                    </a:schemeClr>
+                  </a:glow>
+                </a:effectLst>
+                <a:latin typeface="VNI-Times" pitchFamily="2" charset="0"/>
               </a:rPr>
               <a:t>vöïc</a:t>
             </a:r>
             <a:r>
-              <a:rPr lang="en-US" sz="6600" b="1" dirty="0" smtClean="0">
-                <a:solidFill>
-                  <a:schemeClr val="bg1"/>
-                </a:solidFill>
-                <a:effectLst>
-                  <a:glow rad="101600">
-                    <a:schemeClr val="tx1">
-                      <a:alpha val="60000"/>
-                    </a:schemeClr>
-                  </a:glow>
-                </a:effectLst>
-                <a:latin typeface="VNI-Aptima" pitchFamily="2" charset="0"/>
+              <a:rPr lang="en-US" sz="6600" b="1" dirty="0">
+                <a:solidFill>
+                  <a:schemeClr val="bg1"/>
+                </a:solidFill>
+                <a:effectLst>
+                  <a:glow rad="101600">
+                    <a:schemeClr val="tx1">
+                      <a:alpha val="60000"/>
+                    </a:schemeClr>
+                  </a:glow>
+                </a:effectLst>
+                <a:latin typeface="VNI-Times" pitchFamily="2" charset="0"/>
               </a:rPr>
               <a:t> </a:t>
             </a:r>
             <a:r>
-              <a:rPr lang="en-US" sz="6600" b="1" dirty="0" err="1" smtClean="0">
-                <a:solidFill>
-                  <a:schemeClr val="bg1"/>
-                </a:solidFill>
-                <a:effectLst>
-                  <a:glow rad="101600">
-                    <a:schemeClr val="tx1">
-                      <a:alpha val="60000"/>
-                    </a:schemeClr>
-                  </a:glow>
-                </a:effectLst>
-                <a:latin typeface="VNI-Aptima" pitchFamily="2" charset="0"/>
+              <a:rPr lang="en-US" sz="6600" b="1" dirty="0" err="1">
+                <a:solidFill>
+                  <a:schemeClr val="bg1"/>
+                </a:solidFill>
+                <a:effectLst>
+                  <a:glow rad="101600">
+                    <a:schemeClr val="tx1">
+                      <a:alpha val="60000"/>
+                    </a:schemeClr>
+                  </a:glow>
+                </a:effectLst>
+                <a:latin typeface="VNI-Times" pitchFamily="2" charset="0"/>
               </a:rPr>
               <a:t>khoâng</a:t>
             </a:r>
             <a:r>
-              <a:rPr lang="en-US" sz="6600" b="1" dirty="0" smtClean="0">
-                <a:solidFill>
-                  <a:schemeClr val="bg1"/>
-                </a:solidFill>
-                <a:effectLst>
-                  <a:glow rad="101600">
-                    <a:schemeClr val="tx1">
-                      <a:alpha val="60000"/>
-                    </a:schemeClr>
-                  </a:glow>
-                </a:effectLst>
-                <a:latin typeface="VNI-Aptima" pitchFamily="2" charset="0"/>
+              <a:rPr lang="en-US" sz="6600" b="1" dirty="0">
+                <a:solidFill>
+                  <a:schemeClr val="bg1"/>
+                </a:solidFill>
+                <a:effectLst>
+                  <a:glow rad="101600">
+                    <a:schemeClr val="tx1">
+                      <a:alpha val="60000"/>
+                    </a:schemeClr>
+                  </a:glow>
+                </a:effectLst>
+                <a:latin typeface="VNI-Times" pitchFamily="2" charset="0"/>
               </a:rPr>
               <a:t> </a:t>
             </a:r>
             <a:r>
-              <a:rPr lang="en-US" sz="6600" b="1" dirty="0" err="1" smtClean="0">
-                <a:solidFill>
-                  <a:schemeClr val="bg1"/>
-                </a:solidFill>
-                <a:effectLst>
-                  <a:glow rad="101600">
-                    <a:schemeClr val="tx1">
-                      <a:alpha val="60000"/>
-                    </a:schemeClr>
-                  </a:glow>
-                </a:effectLst>
-                <a:latin typeface="VNI-Aptima" pitchFamily="2" charset="0"/>
+              <a:rPr lang="en-US" sz="6600" b="1" dirty="0" err="1">
+                <a:solidFill>
+                  <a:schemeClr val="bg1"/>
+                </a:solidFill>
+                <a:effectLst>
+                  <a:glow rad="101600">
+                    <a:schemeClr val="tx1">
+                      <a:alpha val="60000"/>
+                    </a:schemeClr>
+                  </a:glow>
+                </a:effectLst>
+                <a:latin typeface="VNI-Times" pitchFamily="2" charset="0"/>
               </a:rPr>
               <a:t>ñaùy</a:t>
             </a:r>
             <a:r>
-              <a:rPr lang="en-US" sz="6600" b="1" dirty="0" smtClean="0">
-                <a:solidFill>
-                  <a:schemeClr val="bg1"/>
-                </a:solidFill>
-                <a:effectLst>
-                  <a:glow rad="101600">
-                    <a:schemeClr val="tx1">
-                      <a:alpha val="60000"/>
-                    </a:schemeClr>
-                  </a:glow>
-                </a:effectLst>
-                <a:latin typeface="VNI-Aptima" pitchFamily="2" charset="0"/>
+              <a:rPr lang="en-US" sz="6600" b="1" dirty="0">
+                <a:solidFill>
+                  <a:schemeClr val="bg1"/>
+                </a:solidFill>
+                <a:effectLst>
+                  <a:glow rad="101600">
+                    <a:schemeClr val="tx1">
+                      <a:alpha val="60000"/>
+                    </a:schemeClr>
+                  </a:glow>
+                </a:effectLst>
+                <a:latin typeface="VNI-Times" pitchFamily="2" charset="0"/>
               </a:rPr>
               <a:t> </a:t>
             </a:r>
             <a:r>
-              <a:rPr lang="en-US" sz="6600" b="1" dirty="0" err="1" smtClean="0">
-                <a:solidFill>
-                  <a:schemeClr val="bg1"/>
-                </a:solidFill>
-                <a:effectLst>
-                  <a:glow rad="101600">
-                    <a:schemeClr val="tx1">
-                      <a:alpha val="60000"/>
-                    </a:schemeClr>
-                  </a:glow>
-                </a:effectLst>
-                <a:latin typeface="VNI-Aptima" pitchFamily="2" charset="0"/>
+              <a:rPr lang="en-US" sz="6600" b="1" dirty="0" err="1">
+                <a:solidFill>
+                  <a:schemeClr val="bg1"/>
+                </a:solidFill>
+                <a:effectLst>
+                  <a:glow rad="101600">
+                    <a:schemeClr val="tx1">
+                      <a:alpha val="60000"/>
+                    </a:schemeClr>
+                  </a:glow>
+                </a:effectLst>
+                <a:latin typeface="VNI-Times" pitchFamily="2" charset="0"/>
               </a:rPr>
               <a:t>laø</a:t>
             </a:r>
             <a:r>
-              <a:rPr lang="en-US" sz="6600" b="1" dirty="0" smtClean="0">
-                <a:solidFill>
-                  <a:schemeClr val="bg1"/>
-                </a:solidFill>
-                <a:effectLst>
-                  <a:glow rad="101600">
-                    <a:schemeClr val="tx1">
-                      <a:alpha val="60000"/>
-                    </a:schemeClr>
-                  </a:glow>
-                </a:effectLst>
-                <a:latin typeface="VNI-Aptima" pitchFamily="2" charset="0"/>
+              <a:rPr lang="en-US" sz="6600" b="1" dirty="0">
+                <a:solidFill>
+                  <a:schemeClr val="bg1"/>
+                </a:solidFill>
+                <a:effectLst>
+                  <a:glow rad="101600">
+                    <a:schemeClr val="tx1">
+                      <a:alpha val="60000"/>
+                    </a:schemeClr>
+                  </a:glow>
+                </a:effectLst>
+                <a:latin typeface="VNI-Times" pitchFamily="2" charset="0"/>
               </a:rPr>
               <a:t> </a:t>
             </a:r>
             <a:r>
-              <a:rPr lang="en-US" sz="6600" b="1" dirty="0" err="1" smtClean="0">
-                <a:solidFill>
-                  <a:schemeClr val="bg1"/>
-                </a:solidFill>
-                <a:effectLst>
-                  <a:glow rad="101600">
-                    <a:schemeClr val="tx1">
-                      <a:alpha val="60000"/>
-                    </a:schemeClr>
-                  </a:glow>
-                </a:effectLst>
-                <a:latin typeface="VNI-Aptima" pitchFamily="2" charset="0"/>
+              <a:rPr lang="en-US" sz="6600" b="1" dirty="0" err="1">
+                <a:solidFill>
+                  <a:schemeClr val="bg1"/>
+                </a:solidFill>
+                <a:effectLst>
+                  <a:glow rad="101600">
+                    <a:schemeClr val="tx1">
+                      <a:alpha val="60000"/>
+                    </a:schemeClr>
+                  </a:glow>
+                </a:effectLst>
+                <a:latin typeface="VNI-Times" pitchFamily="2" charset="0"/>
               </a:rPr>
               <a:t>tình</a:t>
             </a:r>
             <a:r>
-              <a:rPr lang="en-US" sz="6600" b="1" dirty="0" smtClean="0">
-                <a:solidFill>
-                  <a:schemeClr val="bg1"/>
-                </a:solidFill>
-                <a:effectLst>
-                  <a:glow rad="101600">
-                    <a:schemeClr val="tx1">
-                      <a:alpha val="60000"/>
-                    </a:schemeClr>
-                  </a:glow>
-                </a:effectLst>
-                <a:latin typeface="VNI-Aptima" pitchFamily="2" charset="0"/>
+              <a:rPr lang="en-US" sz="6600" b="1" dirty="0">
+                <a:solidFill>
+                  <a:schemeClr val="bg1"/>
+                </a:solidFill>
+                <a:effectLst>
+                  <a:glow rad="101600">
+                    <a:schemeClr val="tx1">
+                      <a:alpha val="60000"/>
+                    </a:schemeClr>
+                  </a:glow>
+                </a:effectLst>
+                <a:latin typeface="VNI-Times" pitchFamily="2" charset="0"/>
               </a:rPr>
               <a:t> </a:t>
             </a:r>
             <a:r>
-              <a:rPr lang="en-US" sz="6600" b="1" dirty="0" err="1" smtClean="0">
-                <a:solidFill>
-                  <a:schemeClr val="bg1"/>
-                </a:solidFill>
-                <a:effectLst>
-                  <a:glow rad="101600">
-                    <a:schemeClr val="tx1">
-                      <a:alpha val="60000"/>
-                    </a:schemeClr>
-                  </a:glow>
-                </a:effectLst>
-                <a:latin typeface="VNI-Aptima" pitchFamily="2" charset="0"/>
+              <a:rPr lang="en-US" sz="6600" b="1" dirty="0" err="1">
+                <a:solidFill>
+                  <a:schemeClr val="bg1"/>
+                </a:solidFill>
+                <a:effectLst>
+                  <a:glow rad="101600">
+                    <a:schemeClr val="tx1">
+                      <a:alpha val="60000"/>
+                    </a:schemeClr>
+                  </a:glow>
+                </a:effectLst>
+                <a:latin typeface="VNI-Times" pitchFamily="2" charset="0"/>
               </a:rPr>
               <a:t>yeâu</a:t>
             </a:r>
             <a:r>
-              <a:rPr lang="en-US" sz="6600" b="1" dirty="0" smtClean="0">
-                <a:solidFill>
-                  <a:schemeClr val="bg1"/>
-                </a:solidFill>
-                <a:effectLst>
-                  <a:glow rad="101600">
-                    <a:schemeClr val="tx1">
-                      <a:alpha val="60000"/>
-                    </a:schemeClr>
-                  </a:glow>
-                </a:effectLst>
-                <a:latin typeface="VNI-Aptima" pitchFamily="2" charset="0"/>
+              <a:rPr lang="en-US" sz="6600" b="1" dirty="0">
+                <a:solidFill>
+                  <a:schemeClr val="bg1"/>
+                </a:solidFill>
+                <a:effectLst>
+                  <a:glow rad="101600">
+                    <a:schemeClr val="tx1">
+                      <a:alpha val="60000"/>
+                    </a:schemeClr>
+                  </a:glow>
+                </a:effectLst>
+                <a:latin typeface="VNI-Times" pitchFamily="2" charset="0"/>
               </a:rPr>
               <a:t> </a:t>
             </a:r>
             <a:br>
-              <a:rPr lang="en-US" sz="6600" b="1" dirty="0" smtClean="0">
-                <a:solidFill>
-                  <a:schemeClr val="bg1"/>
-                </a:solidFill>
-                <a:effectLst>
-                  <a:glow rad="101600">
-                    <a:schemeClr val="tx1">
-                      <a:alpha val="60000"/>
-                    </a:schemeClr>
-                  </a:glow>
-                </a:effectLst>
-                <a:latin typeface="VNI-Aptima" pitchFamily="2" charset="0"/>
+              <a:rPr lang="en-US" sz="6600" b="1" dirty="0">
+                <a:solidFill>
+                  <a:schemeClr val="bg1"/>
+                </a:solidFill>
+                <a:effectLst>
+                  <a:glow rad="101600">
+                    <a:schemeClr val="tx1">
+                      <a:alpha val="60000"/>
+                    </a:schemeClr>
+                  </a:glow>
+                </a:effectLst>
+                <a:latin typeface="VNI-Times" pitchFamily="2" charset="0"/>
               </a:rPr>
             </a:br>
             <a:r>
-              <a:rPr lang="en-US" sz="6600" b="1" dirty="0" err="1" smtClean="0">
-                <a:solidFill>
-                  <a:schemeClr val="bg1"/>
-                </a:solidFill>
-                <a:effectLst>
-                  <a:glow rad="101600">
-                    <a:schemeClr val="tx1">
-                      <a:alpha val="60000"/>
-                    </a:schemeClr>
-                  </a:glow>
-                </a:effectLst>
-                <a:latin typeface="VNI-Aptima" pitchFamily="2" charset="0"/>
+              <a:rPr lang="en-US" sz="6600" b="1" dirty="0" err="1">
+                <a:solidFill>
+                  <a:schemeClr val="bg1"/>
+                </a:solidFill>
+                <a:effectLst>
+                  <a:glow rad="101600">
+                    <a:schemeClr val="tx1">
+                      <a:alpha val="60000"/>
+                    </a:schemeClr>
+                  </a:glow>
+                </a:effectLst>
+                <a:latin typeface="VNI-Times" pitchFamily="2" charset="0"/>
               </a:rPr>
               <a:t>Cöùu</a:t>
             </a:r>
             <a:r>
-              <a:rPr lang="en-US" sz="6600" b="1" dirty="0" smtClean="0">
-                <a:solidFill>
-                  <a:schemeClr val="bg1"/>
-                </a:solidFill>
-                <a:effectLst>
-                  <a:glow rad="101600">
-                    <a:schemeClr val="tx1">
-                      <a:alpha val="60000"/>
-                    </a:schemeClr>
-                  </a:glow>
-                </a:effectLst>
-                <a:latin typeface="VNI-Aptima" pitchFamily="2" charset="0"/>
+              <a:rPr lang="en-US" sz="6600" b="1" dirty="0">
+                <a:solidFill>
+                  <a:schemeClr val="bg1"/>
+                </a:solidFill>
+                <a:effectLst>
+                  <a:glow rad="101600">
+                    <a:schemeClr val="tx1">
+                      <a:alpha val="60000"/>
+                    </a:schemeClr>
+                  </a:glow>
+                </a:effectLst>
+                <a:latin typeface="VNI-Times" pitchFamily="2" charset="0"/>
               </a:rPr>
               <a:t> </a:t>
             </a:r>
             <a:r>
-              <a:rPr lang="en-US" sz="6600" b="1" dirty="0" err="1" smtClean="0">
-                <a:solidFill>
-                  <a:schemeClr val="bg1"/>
-                </a:solidFill>
-                <a:effectLst>
-                  <a:glow rad="101600">
-                    <a:schemeClr val="tx1">
-                      <a:alpha val="60000"/>
-                    </a:schemeClr>
-                  </a:glow>
-                </a:effectLst>
-                <a:latin typeface="VNI-Aptima" pitchFamily="2" charset="0"/>
+              <a:rPr lang="en-US" sz="6600" b="1" dirty="0" err="1">
+                <a:solidFill>
+                  <a:schemeClr val="bg1"/>
+                </a:solidFill>
+                <a:effectLst>
+                  <a:glow rad="101600">
+                    <a:schemeClr val="tx1">
+                      <a:alpha val="60000"/>
+                    </a:schemeClr>
+                  </a:glow>
+                </a:effectLst>
+                <a:latin typeface="VNI-Times" pitchFamily="2" charset="0"/>
               </a:rPr>
               <a:t>Chuùa</a:t>
             </a:r>
             <a:r>
-              <a:rPr lang="en-US" sz="6600" b="1" dirty="0" smtClean="0">
-                <a:solidFill>
-                  <a:schemeClr val="bg1"/>
-                </a:solidFill>
-                <a:effectLst>
-                  <a:glow rad="101600">
-                    <a:schemeClr val="tx1">
-                      <a:alpha val="60000"/>
-                    </a:schemeClr>
-                  </a:glow>
-                </a:effectLst>
-                <a:latin typeface="VNI-Aptima" pitchFamily="2" charset="0"/>
+              <a:rPr lang="en-US" sz="6600" b="1" dirty="0">
+                <a:solidFill>
+                  <a:schemeClr val="bg1"/>
+                </a:solidFill>
+                <a:effectLst>
+                  <a:glow rad="101600">
+                    <a:schemeClr val="tx1">
+                      <a:alpha val="60000"/>
+                    </a:schemeClr>
+                  </a:glow>
+                </a:effectLst>
+                <a:latin typeface="VNI-Times" pitchFamily="2" charset="0"/>
               </a:rPr>
               <a:t> </a:t>
             </a:r>
             <a:r>
-              <a:rPr lang="en-US" sz="6600" b="1" dirty="0" err="1" smtClean="0">
-                <a:solidFill>
-                  <a:schemeClr val="bg1"/>
-                </a:solidFill>
-                <a:effectLst>
-                  <a:glow rad="101600">
-                    <a:schemeClr val="tx1">
-                      <a:alpha val="60000"/>
-                    </a:schemeClr>
-                  </a:glow>
-                </a:effectLst>
-                <a:latin typeface="VNI-Aptima" pitchFamily="2" charset="0"/>
+              <a:rPr lang="en-US" sz="6600" b="1" dirty="0" err="1">
+                <a:solidFill>
+                  <a:schemeClr val="bg1"/>
+                </a:solidFill>
+                <a:effectLst>
+                  <a:glow rad="101600">
+                    <a:schemeClr val="tx1">
+                      <a:alpha val="60000"/>
+                    </a:schemeClr>
+                  </a:glow>
+                </a:effectLst>
+                <a:latin typeface="VNI-Times" pitchFamily="2" charset="0"/>
               </a:rPr>
               <a:t>toâi</a:t>
             </a:r>
             <a:r>
-              <a:rPr lang="en-US" sz="6600" b="1" dirty="0" smtClean="0">
-                <a:solidFill>
-                  <a:schemeClr val="bg1"/>
-                </a:solidFill>
-                <a:effectLst>
-                  <a:glow rad="101600">
-                    <a:schemeClr val="tx1">
-                      <a:alpha val="60000"/>
-                    </a:schemeClr>
-                  </a:glow>
-                </a:effectLst>
-                <a:latin typeface="VNI-Aptima" pitchFamily="2" charset="0"/>
+              <a:rPr lang="en-US" sz="6600" b="1" dirty="0">
+                <a:solidFill>
+                  <a:schemeClr val="bg1"/>
+                </a:solidFill>
+                <a:effectLst>
+                  <a:glow rad="101600">
+                    <a:schemeClr val="tx1">
+                      <a:alpha val="60000"/>
+                    </a:schemeClr>
+                  </a:glow>
+                </a:effectLst>
+                <a:latin typeface="VNI-Times" pitchFamily="2" charset="0"/>
               </a:rPr>
               <a:t> nay.</a:t>
             </a:r>
@@ -3500,7 +3438,7 @@
           <a:p>
             <a:pPr algn="ctr"/>
             <a:r>
-              <a:rPr lang="en-US" sz="3500" b="1" dirty="0" smtClean="0">
+              <a:rPr lang="en-US" sz="3500" b="1" dirty="0">
                 <a:solidFill>
                   <a:srgbClr val="FFFF00"/>
                 </a:solidFill>
@@ -3511,23 +3449,10 @@
                     </a:schemeClr>
                   </a:glow>
                 </a:effectLst>
-                <a:latin typeface="VNI-Garam" pitchFamily="34" charset="0"/>
+                <a:latin typeface="VNI-Times" pitchFamily="2" charset="0"/>
               </a:rPr>
               <a:t>THAÙNH CA 442 – ÔN CAO SAÂU ROÄNG</a:t>
             </a:r>
-            <a:endParaRPr lang="en-US" sz="3500" b="1" dirty="0">
-              <a:solidFill>
-                <a:srgbClr val="FFFF00"/>
-              </a:solidFill>
-              <a:effectLst>
-                <a:glow rad="101600">
-                  <a:schemeClr val="tx1">
-                    <a:alpha val="60000"/>
-                  </a:schemeClr>
-                </a:glow>
-              </a:effectLst>
-              <a:latin typeface="VNI-Garam" pitchFamily="34" charset="0"/>
-            </a:endParaRPr>
           </a:p>
         </p:txBody>
       </p:sp>
@@ -3536,13 +3461,6 @@
   <p:clrMapOvr>
     <a:masterClrMapping/>
   </p:clrMapOvr>
-  <p:timing>
-    <p:tnLst>
-      <p:par>
-        <p:cTn id="1" dur="indefinite" restart="never" nodeType="tmRoot"/>
-      </p:par>
-    </p:tnLst>
-  </p:timing>
 </p:sld>
 </file>
 
@@ -3587,431 +3505,431 @@
           <a:p>
             <a:pPr algn="ctr"/>
             <a:r>
-              <a:rPr lang="en-US" sz="6600" b="1" dirty="0" err="1" smtClean="0">
-                <a:solidFill>
-                  <a:schemeClr val="bg1"/>
-                </a:solidFill>
-                <a:effectLst>
-                  <a:glow rad="101600">
-                    <a:schemeClr val="tx1">
-                      <a:alpha val="60000"/>
-                    </a:schemeClr>
-                  </a:glow>
-                </a:effectLst>
-                <a:latin typeface="VNI-Aptima" pitchFamily="2" charset="0"/>
+              <a:rPr lang="en-US" sz="6600" b="1" dirty="0" err="1">
+                <a:solidFill>
+                  <a:schemeClr val="bg1"/>
+                </a:solidFill>
+                <a:effectLst>
+                  <a:glow rad="101600">
+                    <a:schemeClr val="tx1">
+                      <a:alpha val="60000"/>
+                    </a:schemeClr>
+                  </a:glow>
+                </a:effectLst>
+                <a:latin typeface="VNI-Times" pitchFamily="2" charset="0"/>
               </a:rPr>
               <a:t>Chuùa</a:t>
             </a:r>
             <a:r>
-              <a:rPr lang="en-US" sz="6600" b="1" dirty="0" smtClean="0">
-                <a:solidFill>
-                  <a:schemeClr val="bg1"/>
-                </a:solidFill>
-                <a:effectLst>
-                  <a:glow rad="101600">
-                    <a:schemeClr val="tx1">
-                      <a:alpha val="60000"/>
-                    </a:schemeClr>
-                  </a:glow>
-                </a:effectLst>
-                <a:latin typeface="VNI-Aptima" pitchFamily="2" charset="0"/>
+              <a:rPr lang="en-US" sz="6600" b="1" dirty="0">
+                <a:solidFill>
+                  <a:schemeClr val="bg1"/>
+                </a:solidFill>
+                <a:effectLst>
+                  <a:glow rad="101600">
+                    <a:schemeClr val="tx1">
+                      <a:alpha val="60000"/>
+                    </a:schemeClr>
+                  </a:glow>
+                </a:effectLst>
+                <a:latin typeface="VNI-Times" pitchFamily="2" charset="0"/>
               </a:rPr>
               <a:t> </a:t>
             </a:r>
             <a:r>
-              <a:rPr lang="en-US" sz="6600" b="1" dirty="0" err="1" smtClean="0">
-                <a:solidFill>
-                  <a:schemeClr val="bg1"/>
-                </a:solidFill>
-                <a:effectLst>
-                  <a:glow rad="101600">
-                    <a:schemeClr val="tx1">
-                      <a:alpha val="60000"/>
-                    </a:schemeClr>
-                  </a:glow>
-                </a:effectLst>
-                <a:latin typeface="VNI-Aptima" pitchFamily="2" charset="0"/>
+              <a:rPr lang="en-US" sz="6600" b="1" dirty="0" err="1">
+                <a:solidFill>
+                  <a:schemeClr val="bg1"/>
+                </a:solidFill>
+                <a:effectLst>
+                  <a:glow rad="101600">
+                    <a:schemeClr val="tx1">
+                      <a:alpha val="60000"/>
+                    </a:schemeClr>
+                  </a:glow>
+                </a:effectLst>
+                <a:latin typeface="VNI-Times" pitchFamily="2" charset="0"/>
               </a:rPr>
               <a:t>voán</a:t>
             </a:r>
             <a:r>
-              <a:rPr lang="en-US" sz="6600" b="1" dirty="0" smtClean="0">
-                <a:solidFill>
-                  <a:schemeClr val="bg1"/>
-                </a:solidFill>
-                <a:effectLst>
-                  <a:glow rad="101600">
-                    <a:schemeClr val="tx1">
-                      <a:alpha val="60000"/>
-                    </a:schemeClr>
-                  </a:glow>
-                </a:effectLst>
-                <a:latin typeface="VNI-Aptima" pitchFamily="2" charset="0"/>
+              <a:rPr lang="en-US" sz="6600" b="1" dirty="0">
+                <a:solidFill>
+                  <a:schemeClr val="bg1"/>
+                </a:solidFill>
+                <a:effectLst>
+                  <a:glow rad="101600">
+                    <a:schemeClr val="tx1">
+                      <a:alpha val="60000"/>
+                    </a:schemeClr>
+                  </a:glow>
+                </a:effectLst>
+                <a:latin typeface="VNI-Times" pitchFamily="2" charset="0"/>
               </a:rPr>
               <a:t> </a:t>
             </a:r>
             <a:r>
-              <a:rPr lang="en-US" sz="6600" b="1" dirty="0" err="1" smtClean="0">
-                <a:solidFill>
-                  <a:schemeClr val="bg1"/>
-                </a:solidFill>
-                <a:effectLst>
-                  <a:glow rad="101600">
-                    <a:schemeClr val="tx1">
-                      <a:alpha val="60000"/>
-                    </a:schemeClr>
-                  </a:glow>
-                </a:effectLst>
-                <a:latin typeface="VNI-Aptima" pitchFamily="2" charset="0"/>
+              <a:rPr lang="en-US" sz="6600" b="1" dirty="0" err="1">
+                <a:solidFill>
+                  <a:schemeClr val="bg1"/>
+                </a:solidFill>
+                <a:effectLst>
+                  <a:glow rad="101600">
+                    <a:schemeClr val="tx1">
+                      <a:alpha val="60000"/>
+                    </a:schemeClr>
+                  </a:glow>
+                </a:effectLst>
+                <a:latin typeface="VNI-Times" pitchFamily="2" charset="0"/>
               </a:rPr>
               <a:t>bieát</a:t>
             </a:r>
             <a:r>
-              <a:rPr lang="en-US" sz="6600" b="1" dirty="0" smtClean="0">
-                <a:solidFill>
-                  <a:schemeClr val="bg1"/>
-                </a:solidFill>
-                <a:effectLst>
-                  <a:glow rad="101600">
-                    <a:schemeClr val="tx1">
-                      <a:alpha val="60000"/>
-                    </a:schemeClr>
-                  </a:glow>
-                </a:effectLst>
-                <a:latin typeface="VNI-Aptima" pitchFamily="2" charset="0"/>
+              <a:rPr lang="en-US" sz="6600" b="1" dirty="0">
+                <a:solidFill>
+                  <a:schemeClr val="bg1"/>
+                </a:solidFill>
+                <a:effectLst>
+                  <a:glow rad="101600">
+                    <a:schemeClr val="tx1">
+                      <a:alpha val="60000"/>
+                    </a:schemeClr>
+                  </a:glow>
+                </a:effectLst>
+                <a:latin typeface="VNI-Times" pitchFamily="2" charset="0"/>
               </a:rPr>
               <a:t> </a:t>
             </a:r>
             <a:br>
-              <a:rPr lang="en-US" sz="6600" b="1" dirty="0" smtClean="0">
-                <a:solidFill>
-                  <a:schemeClr val="bg1"/>
-                </a:solidFill>
-                <a:effectLst>
-                  <a:glow rad="101600">
-                    <a:schemeClr val="tx1">
-                      <a:alpha val="60000"/>
-                    </a:schemeClr>
-                  </a:glow>
-                </a:effectLst>
-                <a:latin typeface="VNI-Aptima" pitchFamily="2" charset="0"/>
+              <a:rPr lang="en-US" sz="6600" b="1" dirty="0">
+                <a:solidFill>
+                  <a:schemeClr val="bg1"/>
+                </a:solidFill>
+                <a:effectLst>
+                  <a:glow rad="101600">
+                    <a:schemeClr val="tx1">
+                      <a:alpha val="60000"/>
+                    </a:schemeClr>
+                  </a:glow>
+                </a:effectLst>
+                <a:latin typeface="VNI-Times" pitchFamily="2" charset="0"/>
               </a:rPr>
             </a:br>
             <a:r>
-              <a:rPr lang="en-US" sz="6600" b="1" dirty="0" err="1" smtClean="0">
-                <a:solidFill>
-                  <a:schemeClr val="bg1"/>
-                </a:solidFill>
-                <a:effectLst>
-                  <a:glow rad="101600">
-                    <a:schemeClr val="tx1">
-                      <a:alpha val="60000"/>
-                    </a:schemeClr>
-                  </a:glow>
-                </a:effectLst>
-                <a:latin typeface="VNI-Aptima" pitchFamily="2" charset="0"/>
+              <a:rPr lang="en-US" sz="6600" b="1" dirty="0" err="1">
+                <a:solidFill>
+                  <a:schemeClr val="bg1"/>
+                </a:solidFill>
+                <a:effectLst>
+                  <a:glow rad="101600">
+                    <a:schemeClr val="tx1">
+                      <a:alpha val="60000"/>
+                    </a:schemeClr>
+                  </a:glow>
+                </a:effectLst>
+                <a:latin typeface="VNI-Times" pitchFamily="2" charset="0"/>
               </a:rPr>
               <a:t>toâi</a:t>
             </a:r>
             <a:r>
-              <a:rPr lang="en-US" sz="6600" b="1" dirty="0" smtClean="0">
-                <a:solidFill>
-                  <a:schemeClr val="bg1"/>
-                </a:solidFill>
-                <a:effectLst>
-                  <a:glow rad="101600">
-                    <a:schemeClr val="tx1">
-                      <a:alpha val="60000"/>
-                    </a:schemeClr>
-                  </a:glow>
-                </a:effectLst>
-                <a:latin typeface="VNI-Aptima" pitchFamily="2" charset="0"/>
+              <a:rPr lang="en-US" sz="6600" b="1" dirty="0">
+                <a:solidFill>
+                  <a:schemeClr val="bg1"/>
+                </a:solidFill>
+                <a:effectLst>
+                  <a:glow rad="101600">
+                    <a:schemeClr val="tx1">
+                      <a:alpha val="60000"/>
+                    </a:schemeClr>
+                  </a:glow>
+                </a:effectLst>
+                <a:latin typeface="VNI-Times" pitchFamily="2" charset="0"/>
               </a:rPr>
               <a:t> </a:t>
             </a:r>
             <a:r>
-              <a:rPr lang="en-US" sz="6600" b="1" dirty="0" err="1" smtClean="0">
-                <a:solidFill>
-                  <a:schemeClr val="bg1"/>
-                </a:solidFill>
-                <a:effectLst>
-                  <a:glow rad="101600">
-                    <a:schemeClr val="tx1">
-                      <a:alpha val="60000"/>
-                    </a:schemeClr>
-                  </a:glow>
-                </a:effectLst>
-                <a:latin typeface="VNI-Aptima" pitchFamily="2" charset="0"/>
+              <a:rPr lang="en-US" sz="6600" b="1" dirty="0" err="1">
+                <a:solidFill>
+                  <a:schemeClr val="bg1"/>
+                </a:solidFill>
+                <a:effectLst>
+                  <a:glow rad="101600">
+                    <a:schemeClr val="tx1">
+                      <a:alpha val="60000"/>
+                    </a:schemeClr>
+                  </a:glow>
+                </a:effectLst>
+                <a:latin typeface="VNI-Times" pitchFamily="2" charset="0"/>
               </a:rPr>
               <a:t>laïc</a:t>
             </a:r>
             <a:r>
-              <a:rPr lang="en-US" sz="6600" b="1" dirty="0" smtClean="0">
-                <a:solidFill>
-                  <a:schemeClr val="bg1"/>
-                </a:solidFill>
-                <a:effectLst>
-                  <a:glow rad="101600">
-                    <a:schemeClr val="tx1">
-                      <a:alpha val="60000"/>
-                    </a:schemeClr>
-                  </a:glow>
-                </a:effectLst>
-                <a:latin typeface="VNI-Aptima" pitchFamily="2" charset="0"/>
+              <a:rPr lang="en-US" sz="6600" b="1" dirty="0">
+                <a:solidFill>
+                  <a:schemeClr val="bg1"/>
+                </a:solidFill>
+                <a:effectLst>
+                  <a:glow rad="101600">
+                    <a:schemeClr val="tx1">
+                      <a:alpha val="60000"/>
+                    </a:schemeClr>
+                  </a:glow>
+                </a:effectLst>
+                <a:latin typeface="VNI-Times" pitchFamily="2" charset="0"/>
               </a:rPr>
               <a:t> </a:t>
             </a:r>
             <a:r>
-              <a:rPr lang="en-US" sz="6600" b="1" dirty="0" err="1" smtClean="0">
-                <a:solidFill>
-                  <a:schemeClr val="bg1"/>
-                </a:solidFill>
-                <a:effectLst>
-                  <a:glow rad="101600">
-                    <a:schemeClr val="tx1">
-                      <a:alpha val="60000"/>
-                    </a:schemeClr>
-                  </a:glow>
-                </a:effectLst>
-                <a:latin typeface="VNI-Aptima" pitchFamily="2" charset="0"/>
+              <a:rPr lang="en-US" sz="6600" b="1" dirty="0" err="1">
+                <a:solidFill>
+                  <a:schemeClr val="bg1"/>
+                </a:solidFill>
+                <a:effectLst>
+                  <a:glow rad="101600">
+                    <a:schemeClr val="tx1">
+                      <a:alpha val="60000"/>
+                    </a:schemeClr>
+                  </a:glow>
+                </a:effectLst>
+                <a:latin typeface="VNI-Times" pitchFamily="2" charset="0"/>
               </a:rPr>
               <a:t>loaøi</a:t>
             </a:r>
             <a:r>
-              <a:rPr lang="en-US" sz="6600" b="1" dirty="0" smtClean="0">
-                <a:solidFill>
-                  <a:schemeClr val="bg1"/>
-                </a:solidFill>
-                <a:effectLst>
-                  <a:glow rad="101600">
-                    <a:schemeClr val="tx1">
-                      <a:alpha val="60000"/>
-                    </a:schemeClr>
-                  </a:glow>
-                </a:effectLst>
-                <a:latin typeface="VNI-Aptima" pitchFamily="2" charset="0"/>
+              <a:rPr lang="en-US" sz="6600" b="1" dirty="0">
+                <a:solidFill>
+                  <a:schemeClr val="bg1"/>
+                </a:solidFill>
+                <a:effectLst>
+                  <a:glow rad="101600">
+                    <a:schemeClr val="tx1">
+                      <a:alpha val="60000"/>
+                    </a:schemeClr>
+                  </a:glow>
+                </a:effectLst>
+                <a:latin typeface="VNI-Times" pitchFamily="2" charset="0"/>
               </a:rPr>
               <a:t>, </a:t>
             </a:r>
             <a:br>
-              <a:rPr lang="en-US" sz="6600" b="1" dirty="0" smtClean="0">
-                <a:solidFill>
-                  <a:schemeClr val="bg1"/>
-                </a:solidFill>
-                <a:effectLst>
-                  <a:glow rad="101600">
-                    <a:schemeClr val="tx1">
-                      <a:alpha val="60000"/>
-                    </a:schemeClr>
-                  </a:glow>
-                </a:effectLst>
-                <a:latin typeface="VNI-Aptima" pitchFamily="2" charset="0"/>
+              <a:rPr lang="en-US" sz="6600" b="1" dirty="0">
+                <a:solidFill>
+                  <a:schemeClr val="bg1"/>
+                </a:solidFill>
+                <a:effectLst>
+                  <a:glow rad="101600">
+                    <a:schemeClr val="tx1">
+                      <a:alpha val="60000"/>
+                    </a:schemeClr>
+                  </a:glow>
+                </a:effectLst>
+                <a:latin typeface="VNI-Times" pitchFamily="2" charset="0"/>
               </a:rPr>
             </a:br>
             <a:r>
-              <a:rPr lang="en-US" sz="6600" b="1" dirty="0" err="1" smtClean="0">
-                <a:solidFill>
-                  <a:schemeClr val="bg1"/>
-                </a:solidFill>
-                <a:effectLst>
-                  <a:glow rad="101600">
-                    <a:schemeClr val="tx1">
-                      <a:alpha val="60000"/>
-                    </a:schemeClr>
-                  </a:glow>
-                </a:effectLst>
-                <a:latin typeface="VNI-Aptima" pitchFamily="2" charset="0"/>
+              <a:rPr lang="en-US" sz="6600" b="1" dirty="0" err="1">
+                <a:solidFill>
+                  <a:schemeClr val="bg1"/>
+                </a:solidFill>
+                <a:effectLst>
+                  <a:glow rad="101600">
+                    <a:schemeClr val="tx1">
+                      <a:alpha val="60000"/>
+                    </a:schemeClr>
+                  </a:glow>
+                </a:effectLst>
+                <a:latin typeface="VNI-Times" pitchFamily="2" charset="0"/>
               </a:rPr>
               <a:t>maø</a:t>
             </a:r>
             <a:r>
-              <a:rPr lang="en-US" sz="6600" b="1" dirty="0" smtClean="0">
-                <a:solidFill>
-                  <a:schemeClr val="bg1"/>
-                </a:solidFill>
-                <a:effectLst>
-                  <a:glow rad="101600">
-                    <a:schemeClr val="tx1">
-                      <a:alpha val="60000"/>
-                    </a:schemeClr>
-                  </a:glow>
-                </a:effectLst>
-                <a:latin typeface="VNI-Aptima" pitchFamily="2" charset="0"/>
+              <a:rPr lang="en-US" sz="6600" b="1" dirty="0">
+                <a:solidFill>
+                  <a:schemeClr val="bg1"/>
+                </a:solidFill>
+                <a:effectLst>
+                  <a:glow rad="101600">
+                    <a:schemeClr val="tx1">
+                      <a:alpha val="60000"/>
+                    </a:schemeClr>
+                  </a:glow>
+                </a:effectLst>
+                <a:latin typeface="VNI-Times" pitchFamily="2" charset="0"/>
               </a:rPr>
               <a:t> </a:t>
             </a:r>
             <a:r>
-              <a:rPr lang="en-US" sz="6600" b="1" dirty="0" err="1" smtClean="0">
-                <a:solidFill>
-                  <a:schemeClr val="bg1"/>
-                </a:solidFill>
-                <a:effectLst>
-                  <a:glow rad="101600">
-                    <a:schemeClr val="tx1">
-                      <a:alpha val="60000"/>
-                    </a:schemeClr>
-                  </a:glow>
-                </a:effectLst>
-                <a:latin typeface="VNI-Aptima" pitchFamily="2" charset="0"/>
+              <a:rPr lang="en-US" sz="6600" b="1" dirty="0" err="1">
+                <a:solidFill>
+                  <a:schemeClr val="bg1"/>
+                </a:solidFill>
+                <a:effectLst>
+                  <a:glow rad="101600">
+                    <a:schemeClr val="tx1">
+                      <a:alpha val="60000"/>
+                    </a:schemeClr>
+                  </a:glow>
+                </a:effectLst>
+                <a:latin typeface="VNI-Times" pitchFamily="2" charset="0"/>
               </a:rPr>
               <a:t>coøn</a:t>
             </a:r>
             <a:r>
-              <a:rPr lang="en-US" sz="6600" b="1" dirty="0" smtClean="0">
-                <a:solidFill>
-                  <a:schemeClr val="bg1"/>
-                </a:solidFill>
-                <a:effectLst>
-                  <a:glow rad="101600">
-                    <a:schemeClr val="tx1">
-                      <a:alpha val="60000"/>
-                    </a:schemeClr>
-                  </a:glow>
-                </a:effectLst>
-                <a:latin typeface="VNI-Aptima" pitchFamily="2" charset="0"/>
+              <a:rPr lang="en-US" sz="6600" b="1" dirty="0">
+                <a:solidFill>
+                  <a:schemeClr val="bg1"/>
+                </a:solidFill>
+                <a:effectLst>
+                  <a:glow rad="101600">
+                    <a:schemeClr val="tx1">
+                      <a:alpha val="60000"/>
+                    </a:schemeClr>
+                  </a:glow>
+                </a:effectLst>
+                <a:latin typeface="VNI-Times" pitchFamily="2" charset="0"/>
               </a:rPr>
               <a:t> </a:t>
             </a:r>
             <a:r>
-              <a:rPr lang="en-US" sz="6600" b="1" dirty="0" err="1" smtClean="0">
-                <a:solidFill>
-                  <a:schemeClr val="bg1"/>
-                </a:solidFill>
-                <a:effectLst>
-                  <a:glow rad="101600">
-                    <a:schemeClr val="tx1">
-                      <a:alpha val="60000"/>
-                    </a:schemeClr>
-                  </a:glow>
-                </a:effectLst>
-                <a:latin typeface="VNI-Aptima" pitchFamily="2" charset="0"/>
+              <a:rPr lang="en-US" sz="6600" b="1" dirty="0" err="1">
+                <a:solidFill>
+                  <a:schemeClr val="bg1"/>
+                </a:solidFill>
+                <a:effectLst>
+                  <a:glow rad="101600">
+                    <a:schemeClr val="tx1">
+                      <a:alpha val="60000"/>
+                    </a:schemeClr>
+                  </a:glow>
+                </a:effectLst>
+                <a:latin typeface="VNI-Times" pitchFamily="2" charset="0"/>
               </a:rPr>
               <a:t>nhaän</a:t>
             </a:r>
             <a:r>
-              <a:rPr lang="en-US" sz="6600" b="1" dirty="0" smtClean="0">
-                <a:solidFill>
-                  <a:schemeClr val="bg1"/>
-                </a:solidFill>
-                <a:effectLst>
-                  <a:glow rad="101600">
-                    <a:schemeClr val="tx1">
-                      <a:alpha val="60000"/>
-                    </a:schemeClr>
-                  </a:glow>
-                </a:effectLst>
-                <a:latin typeface="VNI-Aptima" pitchFamily="2" charset="0"/>
+              <a:rPr lang="en-US" sz="6600" b="1" dirty="0">
+                <a:solidFill>
+                  <a:schemeClr val="bg1"/>
+                </a:solidFill>
+                <a:effectLst>
+                  <a:glow rad="101600">
+                    <a:schemeClr val="tx1">
+                      <a:alpha val="60000"/>
+                    </a:schemeClr>
+                  </a:glow>
+                </a:effectLst>
+                <a:latin typeface="VNI-Times" pitchFamily="2" charset="0"/>
               </a:rPr>
               <a:t> </a:t>
             </a:r>
             <a:br>
-              <a:rPr lang="en-US" sz="6600" b="1" dirty="0" smtClean="0">
-                <a:solidFill>
-                  <a:schemeClr val="bg1"/>
-                </a:solidFill>
-                <a:effectLst>
-                  <a:glow rad="101600">
-                    <a:schemeClr val="tx1">
-                      <a:alpha val="60000"/>
-                    </a:schemeClr>
-                  </a:glow>
-                </a:effectLst>
-                <a:latin typeface="VNI-Aptima" pitchFamily="2" charset="0"/>
+              <a:rPr lang="en-US" sz="6600" b="1" dirty="0">
+                <a:solidFill>
+                  <a:schemeClr val="bg1"/>
+                </a:solidFill>
+                <a:effectLst>
+                  <a:glow rad="101600">
+                    <a:schemeClr val="tx1">
+                      <a:alpha val="60000"/>
+                    </a:schemeClr>
+                  </a:glow>
+                </a:effectLst>
+                <a:latin typeface="VNI-Times" pitchFamily="2" charset="0"/>
               </a:rPr>
             </a:br>
             <a:r>
-              <a:rPr lang="en-US" sz="6600" b="1" dirty="0" err="1" smtClean="0">
-                <a:solidFill>
-                  <a:schemeClr val="bg1"/>
-                </a:solidFill>
-                <a:effectLst>
-                  <a:glow rad="101600">
-                    <a:schemeClr val="tx1">
-                      <a:alpha val="60000"/>
-                    </a:schemeClr>
-                  </a:glow>
-                </a:effectLst>
-                <a:latin typeface="VNI-Aptima" pitchFamily="2" charset="0"/>
+              <a:rPr lang="en-US" sz="6600" b="1" dirty="0" err="1">
+                <a:solidFill>
+                  <a:schemeClr val="bg1"/>
+                </a:solidFill>
+                <a:effectLst>
+                  <a:glow rad="101600">
+                    <a:schemeClr val="tx1">
+                      <a:alpha val="60000"/>
+                    </a:schemeClr>
+                  </a:glow>
+                </a:effectLst>
+                <a:latin typeface="VNI-Times" pitchFamily="2" charset="0"/>
               </a:rPr>
               <a:t>laøm</a:t>
             </a:r>
             <a:r>
-              <a:rPr lang="en-US" sz="6600" b="1" dirty="0" smtClean="0">
-                <a:solidFill>
-                  <a:schemeClr val="bg1"/>
-                </a:solidFill>
-                <a:effectLst>
-                  <a:glow rad="101600">
-                    <a:schemeClr val="tx1">
-                      <a:alpha val="60000"/>
-                    </a:schemeClr>
-                  </a:glow>
-                </a:effectLst>
-                <a:latin typeface="VNI-Aptima" pitchFamily="2" charset="0"/>
+              <a:rPr lang="en-US" sz="6600" b="1" dirty="0">
+                <a:solidFill>
+                  <a:schemeClr val="bg1"/>
+                </a:solidFill>
+                <a:effectLst>
+                  <a:glow rad="101600">
+                    <a:schemeClr val="tx1">
+                      <a:alpha val="60000"/>
+                    </a:schemeClr>
+                  </a:glow>
+                </a:effectLst>
+                <a:latin typeface="VNI-Times" pitchFamily="2" charset="0"/>
               </a:rPr>
               <a:t> con </a:t>
             </a:r>
             <a:r>
-              <a:rPr lang="en-US" sz="6600" b="1" dirty="0" err="1" smtClean="0">
-                <a:solidFill>
-                  <a:schemeClr val="bg1"/>
-                </a:solidFill>
-                <a:effectLst>
-                  <a:glow rad="101600">
-                    <a:schemeClr val="tx1">
-                      <a:alpha val="60000"/>
-                    </a:schemeClr>
-                  </a:glow>
-                </a:effectLst>
-                <a:latin typeface="VNI-Aptima" pitchFamily="2" charset="0"/>
+              <a:rPr lang="en-US" sz="6600" b="1" dirty="0" err="1">
+                <a:solidFill>
+                  <a:schemeClr val="bg1"/>
+                </a:solidFill>
+                <a:effectLst>
+                  <a:glow rad="101600">
+                    <a:schemeClr val="tx1">
+                      <a:alpha val="60000"/>
+                    </a:schemeClr>
+                  </a:glow>
+                </a:effectLst>
+                <a:latin typeface="VNI-Times" pitchFamily="2" charset="0"/>
               </a:rPr>
               <a:t>thaân</a:t>
             </a:r>
             <a:r>
-              <a:rPr lang="en-US" sz="6600" b="1" dirty="0" smtClean="0">
-                <a:solidFill>
-                  <a:schemeClr val="bg1"/>
-                </a:solidFill>
-                <a:effectLst>
-                  <a:glow rad="101600">
-                    <a:schemeClr val="tx1">
-                      <a:alpha val="60000"/>
-                    </a:schemeClr>
-                  </a:glow>
-                </a:effectLst>
-                <a:latin typeface="VNI-Aptima" pitchFamily="2" charset="0"/>
+              <a:rPr lang="en-US" sz="6600" b="1" dirty="0">
+                <a:solidFill>
+                  <a:schemeClr val="bg1"/>
+                </a:solidFill>
+                <a:effectLst>
+                  <a:glow rad="101600">
+                    <a:schemeClr val="tx1">
+                      <a:alpha val="60000"/>
+                    </a:schemeClr>
+                  </a:glow>
+                </a:effectLst>
+                <a:latin typeface="VNI-Times" pitchFamily="2" charset="0"/>
               </a:rPr>
               <a:t> </a:t>
             </a:r>
             <a:r>
-              <a:rPr lang="en-US" sz="6600" b="1" dirty="0" err="1" smtClean="0">
-                <a:solidFill>
-                  <a:schemeClr val="bg1"/>
-                </a:solidFill>
-                <a:effectLst>
-                  <a:glow rad="101600">
-                    <a:schemeClr val="tx1">
-                      <a:alpha val="60000"/>
-                    </a:schemeClr>
-                  </a:glow>
-                </a:effectLst>
-                <a:latin typeface="VNI-Aptima" pitchFamily="2" charset="0"/>
+              <a:rPr lang="en-US" sz="6600" b="1" dirty="0" err="1">
+                <a:solidFill>
+                  <a:schemeClr val="bg1"/>
+                </a:solidFill>
+                <a:effectLst>
+                  <a:glow rad="101600">
+                    <a:schemeClr val="tx1">
+                      <a:alpha val="60000"/>
+                    </a:schemeClr>
+                  </a:glow>
+                </a:effectLst>
+                <a:latin typeface="VNI-Times" pitchFamily="2" charset="0"/>
               </a:rPr>
               <a:t>aùi</a:t>
             </a:r>
             <a:r>
-              <a:rPr lang="en-US" sz="6600" b="1" dirty="0" smtClean="0">
-                <a:solidFill>
-                  <a:schemeClr val="bg1"/>
-                </a:solidFill>
-                <a:effectLst>
-                  <a:glow rad="101600">
-                    <a:schemeClr val="tx1">
-                      <a:alpha val="60000"/>
-                    </a:schemeClr>
-                  </a:glow>
-                </a:effectLst>
-                <a:latin typeface="VNI-Aptima" pitchFamily="2" charset="0"/>
+              <a:rPr lang="en-US" sz="6600" b="1" dirty="0">
+                <a:solidFill>
+                  <a:schemeClr val="bg1"/>
+                </a:solidFill>
+                <a:effectLst>
+                  <a:glow rad="101600">
+                    <a:schemeClr val="tx1">
+                      <a:alpha val="60000"/>
+                    </a:schemeClr>
+                  </a:glow>
+                </a:effectLst>
+                <a:latin typeface="VNI-Times" pitchFamily="2" charset="0"/>
               </a:rPr>
               <a:t>.</a:t>
             </a:r>
@@ -4042,7 +3960,7 @@
           <a:p>
             <a:pPr algn="ctr"/>
             <a:r>
-              <a:rPr lang="en-US" sz="3500" b="1" dirty="0" smtClean="0">
+              <a:rPr lang="en-US" sz="3500" b="1" dirty="0">
                 <a:solidFill>
                   <a:srgbClr val="FFFF00"/>
                 </a:solidFill>
@@ -4053,23 +3971,10 @@
                     </a:schemeClr>
                   </a:glow>
                 </a:effectLst>
-                <a:latin typeface="VNI-Garam" pitchFamily="34" charset="0"/>
+                <a:latin typeface="VNI-Times" pitchFamily="2" charset="0"/>
               </a:rPr>
               <a:t>THAÙNH CA 442 – ÔN CAO SAÂU ROÄNG</a:t>
             </a:r>
-            <a:endParaRPr lang="en-US" sz="3500" b="1" dirty="0">
-              <a:solidFill>
-                <a:srgbClr val="FFFF00"/>
-              </a:solidFill>
-              <a:effectLst>
-                <a:glow rad="101600">
-                  <a:schemeClr val="tx1">
-                    <a:alpha val="60000"/>
-                  </a:schemeClr>
-                </a:glow>
-              </a:effectLst>
-              <a:latin typeface="VNI-Garam" pitchFamily="34" charset="0"/>
-            </a:endParaRPr>
           </a:p>
         </p:txBody>
       </p:sp>
@@ -4078,13 +3983,6 @@
   <p:clrMapOvr>
     <a:masterClrMapping/>
   </p:clrMapOvr>
-  <p:timing>
-    <p:tnLst>
-      <p:par>
-        <p:cTn id="1" dur="indefinite" restart="never" nodeType="tmRoot"/>
-      </p:par>
-    </p:tnLst>
-  </p:timing>
 </p:sld>
 </file>
 
@@ -4129,417 +4027,417 @@
           <a:p>
             <a:pPr algn="ctr"/>
             <a:r>
-              <a:rPr lang="en-US" sz="6600" b="1" dirty="0" smtClean="0">
-                <a:solidFill>
-                  <a:schemeClr val="bg1"/>
-                </a:solidFill>
-                <a:effectLst>
-                  <a:glow rad="101600">
-                    <a:schemeClr val="tx1">
-                      <a:alpha val="60000"/>
-                    </a:schemeClr>
-                  </a:glow>
-                </a:effectLst>
-                <a:latin typeface="VNI-Aptima" pitchFamily="2" charset="0"/>
+              <a:rPr lang="en-US" sz="6600" b="1" dirty="0">
+                <a:solidFill>
+                  <a:schemeClr val="bg1"/>
+                </a:solidFill>
+                <a:effectLst>
+                  <a:glow rad="101600">
+                    <a:schemeClr val="tx1">
+                      <a:alpha val="60000"/>
+                    </a:schemeClr>
+                  </a:glow>
+                </a:effectLst>
+                <a:latin typeface="VNI-Times" pitchFamily="2" charset="0"/>
               </a:rPr>
               <a:t>Do </a:t>
             </a:r>
             <a:r>
-              <a:rPr lang="en-US" sz="6600" b="1" dirty="0" err="1" smtClean="0">
-                <a:solidFill>
-                  <a:schemeClr val="bg1"/>
-                </a:solidFill>
-                <a:effectLst>
-                  <a:glow rad="101600">
-                    <a:schemeClr val="tx1">
-                      <a:alpha val="60000"/>
-                    </a:schemeClr>
-                  </a:glow>
-                </a:effectLst>
-                <a:latin typeface="VNI-Aptima" pitchFamily="2" charset="0"/>
+              <a:rPr lang="en-US" sz="6600" b="1" dirty="0" err="1">
+                <a:solidFill>
+                  <a:schemeClr val="bg1"/>
+                </a:solidFill>
+                <a:effectLst>
+                  <a:glow rad="101600">
+                    <a:schemeClr val="tx1">
+                      <a:alpha val="60000"/>
+                    </a:schemeClr>
+                  </a:glow>
+                </a:effectLst>
+                <a:latin typeface="VNI-Times" pitchFamily="2" charset="0"/>
               </a:rPr>
               <a:t>lôøi</a:t>
             </a:r>
             <a:r>
-              <a:rPr lang="en-US" sz="6600" b="1" dirty="0" smtClean="0">
-                <a:solidFill>
-                  <a:schemeClr val="bg1"/>
-                </a:solidFill>
-                <a:effectLst>
-                  <a:glow rad="101600">
-                    <a:schemeClr val="tx1">
-                      <a:alpha val="60000"/>
-                    </a:schemeClr>
-                  </a:glow>
-                </a:effectLst>
-                <a:latin typeface="VNI-Aptima" pitchFamily="2" charset="0"/>
+              <a:rPr lang="en-US" sz="6600" b="1" dirty="0">
+                <a:solidFill>
+                  <a:schemeClr val="bg1"/>
+                </a:solidFill>
+                <a:effectLst>
+                  <a:glow rad="101600">
+                    <a:schemeClr val="tx1">
+                      <a:alpha val="60000"/>
+                    </a:schemeClr>
+                  </a:glow>
+                </a:effectLst>
+                <a:latin typeface="VNI-Times" pitchFamily="2" charset="0"/>
               </a:rPr>
               <a:t> </a:t>
             </a:r>
             <a:r>
-              <a:rPr lang="en-US" sz="6600" b="1" dirty="0" err="1" smtClean="0">
-                <a:solidFill>
-                  <a:schemeClr val="bg1"/>
-                </a:solidFill>
-                <a:effectLst>
-                  <a:glow rad="101600">
-                    <a:schemeClr val="tx1">
-                      <a:alpha val="60000"/>
-                    </a:schemeClr>
-                  </a:glow>
-                </a:effectLst>
-                <a:latin typeface="VNI-Aptima" pitchFamily="2" charset="0"/>
+              <a:rPr lang="en-US" sz="6600" b="1" dirty="0" err="1">
+                <a:solidFill>
+                  <a:schemeClr val="bg1"/>
+                </a:solidFill>
+                <a:effectLst>
+                  <a:glow rad="101600">
+                    <a:schemeClr val="tx1">
+                      <a:alpha val="60000"/>
+                    </a:schemeClr>
+                  </a:glow>
+                </a:effectLst>
+                <a:latin typeface="VNI-Times" pitchFamily="2" charset="0"/>
               </a:rPr>
               <a:t>Kinh</a:t>
             </a:r>
             <a:r>
-              <a:rPr lang="en-US" sz="6600" b="1" dirty="0" smtClean="0">
-                <a:solidFill>
-                  <a:schemeClr val="bg1"/>
-                </a:solidFill>
-                <a:effectLst>
-                  <a:glow rad="101600">
-                    <a:schemeClr val="tx1">
-                      <a:alpha val="60000"/>
-                    </a:schemeClr>
-                  </a:glow>
-                </a:effectLst>
-                <a:latin typeface="VNI-Aptima" pitchFamily="2" charset="0"/>
+              <a:rPr lang="en-US" sz="6600" b="1" dirty="0">
+                <a:solidFill>
+                  <a:schemeClr val="bg1"/>
+                </a:solidFill>
+                <a:effectLst>
+                  <a:glow rad="101600">
+                    <a:schemeClr val="tx1">
+                      <a:alpha val="60000"/>
+                    </a:schemeClr>
+                  </a:glow>
+                </a:effectLst>
+                <a:latin typeface="VNI-Times" pitchFamily="2" charset="0"/>
               </a:rPr>
               <a:t> </a:t>
             </a:r>
             <a:r>
-              <a:rPr lang="en-US" sz="6600" b="1" dirty="0" err="1" smtClean="0">
-                <a:solidFill>
-                  <a:schemeClr val="bg1"/>
-                </a:solidFill>
-                <a:effectLst>
-                  <a:glow rad="101600">
-                    <a:schemeClr val="tx1">
-                      <a:alpha val="60000"/>
-                    </a:schemeClr>
-                  </a:glow>
-                </a:effectLst>
-                <a:latin typeface="VNI-Aptima" pitchFamily="2" charset="0"/>
+              <a:rPr lang="en-US" sz="6600" b="1" dirty="0" err="1">
+                <a:solidFill>
+                  <a:schemeClr val="bg1"/>
+                </a:solidFill>
+                <a:effectLst>
+                  <a:glow rad="101600">
+                    <a:schemeClr val="tx1">
+                      <a:alpha val="60000"/>
+                    </a:schemeClr>
+                  </a:glow>
+                </a:effectLst>
+                <a:latin typeface="VNI-Times" pitchFamily="2" charset="0"/>
               </a:rPr>
               <a:t>thaùnh</a:t>
             </a:r>
             <a:r>
-              <a:rPr lang="en-US" sz="6600" b="1" dirty="0" smtClean="0">
-                <a:solidFill>
-                  <a:schemeClr val="bg1"/>
-                </a:solidFill>
-                <a:effectLst>
-                  <a:glow rad="101600">
-                    <a:schemeClr val="tx1">
-                      <a:alpha val="60000"/>
-                    </a:schemeClr>
-                  </a:glow>
-                </a:effectLst>
-                <a:latin typeface="VNI-Aptima" pitchFamily="2" charset="0"/>
+              <a:rPr lang="en-US" sz="6600" b="1" dirty="0">
+                <a:solidFill>
+                  <a:schemeClr val="bg1"/>
+                </a:solidFill>
+                <a:effectLst>
+                  <a:glow rad="101600">
+                    <a:schemeClr val="tx1">
+                      <a:alpha val="60000"/>
+                    </a:schemeClr>
+                  </a:glow>
+                </a:effectLst>
+                <a:latin typeface="VNI-Times" pitchFamily="2" charset="0"/>
               </a:rPr>
               <a:t> </a:t>
             </a:r>
             <a:r>
-              <a:rPr lang="en-US" sz="6600" b="1" dirty="0" err="1" smtClean="0">
-                <a:solidFill>
-                  <a:schemeClr val="bg1"/>
-                </a:solidFill>
-                <a:effectLst>
-                  <a:glow rad="101600">
-                    <a:schemeClr val="tx1">
-                      <a:alpha val="60000"/>
-                    </a:schemeClr>
-                  </a:glow>
-                </a:effectLst>
-                <a:latin typeface="VNI-Aptima" pitchFamily="2" charset="0"/>
+              <a:rPr lang="en-US" sz="6600" b="1" dirty="0" err="1">
+                <a:solidFill>
+                  <a:schemeClr val="bg1"/>
+                </a:solidFill>
+                <a:effectLst>
+                  <a:glow rad="101600">
+                    <a:schemeClr val="tx1">
+                      <a:alpha val="60000"/>
+                    </a:schemeClr>
+                  </a:glow>
+                </a:effectLst>
+                <a:latin typeface="VNI-Times" pitchFamily="2" charset="0"/>
               </a:rPr>
               <a:t>chæ</a:t>
             </a:r>
             <a:r>
-              <a:rPr lang="en-US" sz="6600" b="1" dirty="0" smtClean="0">
-                <a:solidFill>
-                  <a:schemeClr val="bg1"/>
-                </a:solidFill>
-                <a:effectLst>
-                  <a:glow rad="101600">
-                    <a:schemeClr val="tx1">
-                      <a:alpha val="60000"/>
-                    </a:schemeClr>
-                  </a:glow>
-                </a:effectLst>
-                <a:latin typeface="VNI-Aptima" pitchFamily="2" charset="0"/>
+              <a:rPr lang="en-US" sz="6600" b="1" dirty="0">
+                <a:solidFill>
+                  <a:schemeClr val="bg1"/>
+                </a:solidFill>
+                <a:effectLst>
+                  <a:glow rad="101600">
+                    <a:schemeClr val="tx1">
+                      <a:alpha val="60000"/>
+                    </a:schemeClr>
+                  </a:glow>
+                </a:effectLst>
+                <a:latin typeface="VNI-Times" pitchFamily="2" charset="0"/>
               </a:rPr>
               <a:t> minh, </a:t>
             </a:r>
             <a:r>
-              <a:rPr lang="en-US" sz="6600" b="1" dirty="0" err="1" smtClean="0">
-                <a:solidFill>
-                  <a:schemeClr val="bg1"/>
-                </a:solidFill>
-                <a:effectLst>
-                  <a:glow rad="101600">
-                    <a:schemeClr val="tx1">
-                      <a:alpha val="60000"/>
-                    </a:schemeClr>
-                  </a:glow>
-                </a:effectLst>
-                <a:latin typeface="VNI-Aptima" pitchFamily="2" charset="0"/>
+              <a:rPr lang="en-US" sz="6600" b="1" dirty="0" err="1">
+                <a:solidFill>
+                  <a:schemeClr val="bg1"/>
+                </a:solidFill>
+                <a:effectLst>
+                  <a:glow rad="101600">
+                    <a:schemeClr val="tx1">
+                      <a:alpha val="60000"/>
+                    </a:schemeClr>
+                  </a:glow>
+                </a:effectLst>
+                <a:latin typeface="VNI-Times" pitchFamily="2" charset="0"/>
               </a:rPr>
               <a:t>toâi</a:t>
             </a:r>
             <a:r>
-              <a:rPr lang="en-US" sz="6600" b="1" dirty="0" smtClean="0">
-                <a:solidFill>
-                  <a:schemeClr val="bg1"/>
-                </a:solidFill>
-                <a:effectLst>
-                  <a:glow rad="101600">
-                    <a:schemeClr val="tx1">
-                      <a:alpha val="60000"/>
-                    </a:schemeClr>
-                  </a:glow>
-                </a:effectLst>
-                <a:latin typeface="VNI-Aptima" pitchFamily="2" charset="0"/>
+              <a:rPr lang="en-US" sz="6600" b="1" dirty="0">
+                <a:solidFill>
+                  <a:schemeClr val="bg1"/>
+                </a:solidFill>
+                <a:effectLst>
+                  <a:glow rad="101600">
+                    <a:schemeClr val="tx1">
+                      <a:alpha val="60000"/>
+                    </a:schemeClr>
+                  </a:glow>
+                </a:effectLst>
+                <a:latin typeface="VNI-Times" pitchFamily="2" charset="0"/>
               </a:rPr>
               <a:t> </a:t>
             </a:r>
             <a:r>
-              <a:rPr lang="en-US" sz="6600" b="1" dirty="0" err="1" smtClean="0">
-                <a:solidFill>
-                  <a:schemeClr val="bg1"/>
-                </a:solidFill>
-                <a:effectLst>
-                  <a:glow rad="101600">
-                    <a:schemeClr val="tx1">
-                      <a:alpha val="60000"/>
-                    </a:schemeClr>
-                  </a:glow>
-                </a:effectLst>
-                <a:latin typeface="VNI-Aptima" pitchFamily="2" charset="0"/>
+              <a:rPr lang="en-US" sz="6600" b="1" dirty="0" err="1">
+                <a:solidFill>
+                  <a:schemeClr val="bg1"/>
+                </a:solidFill>
+                <a:effectLst>
+                  <a:glow rad="101600">
+                    <a:schemeClr val="tx1">
+                      <a:alpha val="60000"/>
+                    </a:schemeClr>
+                  </a:glow>
+                </a:effectLst>
+                <a:latin typeface="VNI-Times" pitchFamily="2" charset="0"/>
               </a:rPr>
               <a:t>töôøng</a:t>
             </a:r>
             <a:r>
-              <a:rPr lang="en-US" sz="6600" b="1" dirty="0" smtClean="0">
-                <a:solidFill>
-                  <a:schemeClr val="bg1"/>
-                </a:solidFill>
-                <a:effectLst>
-                  <a:glow rad="101600">
-                    <a:schemeClr val="tx1">
-                      <a:alpha val="60000"/>
-                    </a:schemeClr>
-                  </a:glow>
-                </a:effectLst>
-                <a:latin typeface="VNI-Aptima" pitchFamily="2" charset="0"/>
+              <a:rPr lang="en-US" sz="6600" b="1" dirty="0">
+                <a:solidFill>
+                  <a:schemeClr val="bg1"/>
+                </a:solidFill>
+                <a:effectLst>
+                  <a:glow rad="101600">
+                    <a:schemeClr val="tx1">
+                      <a:alpha val="60000"/>
+                    </a:schemeClr>
+                  </a:glow>
+                </a:effectLst>
+                <a:latin typeface="VNI-Times" pitchFamily="2" charset="0"/>
               </a:rPr>
               <a:t> </a:t>
             </a:r>
             <a:r>
-              <a:rPr lang="en-US" sz="6600" b="1" dirty="0" err="1" smtClean="0">
-                <a:solidFill>
-                  <a:schemeClr val="bg1"/>
-                </a:solidFill>
-                <a:effectLst>
-                  <a:glow rad="101600">
-                    <a:schemeClr val="tx1">
-                      <a:alpha val="60000"/>
-                    </a:schemeClr>
-                  </a:glow>
-                </a:effectLst>
-                <a:latin typeface="VNI-Aptima" pitchFamily="2" charset="0"/>
+              <a:rPr lang="en-US" sz="6600" b="1" dirty="0" err="1">
+                <a:solidFill>
+                  <a:schemeClr val="bg1"/>
+                </a:solidFill>
+                <a:effectLst>
+                  <a:glow rad="101600">
+                    <a:schemeClr val="tx1">
+                      <a:alpha val="60000"/>
+                    </a:schemeClr>
+                  </a:glow>
+                </a:effectLst>
+                <a:latin typeface="VNI-Times" pitchFamily="2" charset="0"/>
               </a:rPr>
               <a:t>tình</a:t>
             </a:r>
             <a:r>
-              <a:rPr lang="en-US" sz="6600" b="1" dirty="0" smtClean="0">
-                <a:solidFill>
-                  <a:schemeClr val="bg1"/>
-                </a:solidFill>
-                <a:effectLst>
-                  <a:glow rad="101600">
-                    <a:schemeClr val="tx1">
-                      <a:alpha val="60000"/>
-                    </a:schemeClr>
-                  </a:glow>
-                </a:effectLst>
-                <a:latin typeface="VNI-Aptima" pitchFamily="2" charset="0"/>
+              <a:rPr lang="en-US" sz="6600" b="1" dirty="0">
+                <a:solidFill>
+                  <a:schemeClr val="bg1"/>
+                </a:solidFill>
+                <a:effectLst>
+                  <a:glow rad="101600">
+                    <a:schemeClr val="tx1">
+                      <a:alpha val="60000"/>
+                    </a:schemeClr>
+                  </a:glow>
+                </a:effectLst>
+                <a:latin typeface="VNI-Times" pitchFamily="2" charset="0"/>
               </a:rPr>
               <a:t> </a:t>
             </a:r>
             <a:r>
-              <a:rPr lang="en-US" sz="6600" b="1" dirty="0" err="1" smtClean="0">
-                <a:solidFill>
-                  <a:schemeClr val="bg1"/>
-                </a:solidFill>
-                <a:effectLst>
-                  <a:glow rad="101600">
-                    <a:schemeClr val="tx1">
-                      <a:alpha val="60000"/>
-                    </a:schemeClr>
-                  </a:glow>
-                </a:effectLst>
-                <a:latin typeface="VNI-Aptima" pitchFamily="2" charset="0"/>
+              <a:rPr lang="en-US" sz="6600" b="1" dirty="0" err="1">
+                <a:solidFill>
+                  <a:schemeClr val="bg1"/>
+                </a:solidFill>
+                <a:effectLst>
+                  <a:glow rad="101600">
+                    <a:schemeClr val="tx1">
+                      <a:alpha val="60000"/>
+                    </a:schemeClr>
+                  </a:glow>
+                </a:effectLst>
+                <a:latin typeface="VNI-Times" pitchFamily="2" charset="0"/>
               </a:rPr>
               <a:t>yeâu</a:t>
             </a:r>
             <a:r>
-              <a:rPr lang="en-US" sz="6600" b="1" dirty="0" smtClean="0">
-                <a:solidFill>
-                  <a:schemeClr val="bg1"/>
-                </a:solidFill>
-                <a:effectLst>
-                  <a:glow rad="101600">
-                    <a:schemeClr val="tx1">
-                      <a:alpha val="60000"/>
-                    </a:schemeClr>
-                  </a:glow>
-                </a:effectLst>
-                <a:latin typeface="VNI-Aptima" pitchFamily="2" charset="0"/>
+              <a:rPr lang="en-US" sz="6600" b="1" dirty="0">
+                <a:solidFill>
+                  <a:schemeClr val="bg1"/>
+                </a:solidFill>
+                <a:effectLst>
+                  <a:glow rad="101600">
+                    <a:schemeClr val="tx1">
+                      <a:alpha val="60000"/>
+                    </a:schemeClr>
+                  </a:glow>
+                </a:effectLst>
+                <a:latin typeface="VNI-Times" pitchFamily="2" charset="0"/>
               </a:rPr>
               <a:t> </a:t>
             </a:r>
             <a:r>
-              <a:rPr lang="en-US" sz="6600" b="1" dirty="0" err="1" smtClean="0">
-                <a:solidFill>
-                  <a:schemeClr val="bg1"/>
-                </a:solidFill>
-                <a:effectLst>
-                  <a:glow rad="101600">
-                    <a:schemeClr val="tx1">
-                      <a:alpha val="60000"/>
-                    </a:schemeClr>
-                  </a:glow>
-                </a:effectLst>
-                <a:latin typeface="VNI-Aptima" pitchFamily="2" charset="0"/>
+              <a:rPr lang="en-US" sz="6600" b="1" dirty="0" err="1">
+                <a:solidFill>
+                  <a:schemeClr val="bg1"/>
+                </a:solidFill>
+                <a:effectLst>
+                  <a:glow rad="101600">
+                    <a:schemeClr val="tx1">
+                      <a:alpha val="60000"/>
+                    </a:schemeClr>
+                  </a:glow>
+                </a:effectLst>
+                <a:latin typeface="VNI-Times" pitchFamily="2" charset="0"/>
               </a:rPr>
               <a:t>Jeâsus</a:t>
             </a:r>
             <a:r>
-              <a:rPr lang="en-US" sz="6600" b="1" dirty="0" smtClean="0">
-                <a:solidFill>
-                  <a:schemeClr val="bg1"/>
-                </a:solidFill>
-                <a:effectLst>
-                  <a:glow rad="101600">
-                    <a:schemeClr val="tx1">
-                      <a:alpha val="60000"/>
-                    </a:schemeClr>
-                  </a:glow>
-                </a:effectLst>
-                <a:latin typeface="VNI-Aptima" pitchFamily="2" charset="0"/>
+              <a:rPr lang="en-US" sz="6600" b="1" dirty="0">
+                <a:solidFill>
+                  <a:schemeClr val="bg1"/>
+                </a:solidFill>
+                <a:effectLst>
+                  <a:glow rad="101600">
+                    <a:schemeClr val="tx1">
+                      <a:alpha val="60000"/>
+                    </a:schemeClr>
+                  </a:glow>
+                </a:effectLst>
+                <a:latin typeface="VNI-Times" pitchFamily="2" charset="0"/>
               </a:rPr>
               <a:t> </a:t>
             </a:r>
             <a:br>
-              <a:rPr lang="en-US" sz="6600" b="1" dirty="0" smtClean="0">
-                <a:solidFill>
-                  <a:schemeClr val="bg1"/>
-                </a:solidFill>
-                <a:effectLst>
-                  <a:glow rad="101600">
-                    <a:schemeClr val="tx1">
-                      <a:alpha val="60000"/>
-                    </a:schemeClr>
-                  </a:glow>
-                </a:effectLst>
-                <a:latin typeface="VNI-Aptima" pitchFamily="2" charset="0"/>
+              <a:rPr lang="en-US" sz="6600" b="1" dirty="0">
+                <a:solidFill>
+                  <a:schemeClr val="bg1"/>
+                </a:solidFill>
+                <a:effectLst>
+                  <a:glow rad="101600">
+                    <a:schemeClr val="tx1">
+                      <a:alpha val="60000"/>
+                    </a:schemeClr>
+                  </a:glow>
+                </a:effectLst>
+                <a:latin typeface="VNI-Times" pitchFamily="2" charset="0"/>
               </a:rPr>
             </a:br>
             <a:r>
-              <a:rPr lang="en-US" sz="6600" b="1" dirty="0" err="1" smtClean="0">
-                <a:solidFill>
-                  <a:schemeClr val="bg1"/>
-                </a:solidFill>
-                <a:effectLst>
-                  <a:glow rad="101600">
-                    <a:schemeClr val="tx1">
-                      <a:alpha val="60000"/>
-                    </a:schemeClr>
-                  </a:glow>
-                </a:effectLst>
-                <a:latin typeface="VNI-Aptima" pitchFamily="2" charset="0"/>
+              <a:rPr lang="en-US" sz="6600" b="1" dirty="0" err="1">
+                <a:solidFill>
+                  <a:schemeClr val="bg1"/>
+                </a:solidFill>
+                <a:effectLst>
+                  <a:glow rad="101600">
+                    <a:schemeClr val="tx1">
+                      <a:alpha val="60000"/>
+                    </a:schemeClr>
+                  </a:glow>
+                </a:effectLst>
+                <a:latin typeface="VNI-Times" pitchFamily="2" charset="0"/>
               </a:rPr>
               <a:t>chaúng</a:t>
             </a:r>
             <a:r>
-              <a:rPr lang="en-US" sz="6600" b="1" dirty="0" smtClean="0">
-                <a:solidFill>
-                  <a:schemeClr val="bg1"/>
-                </a:solidFill>
-                <a:effectLst>
-                  <a:glow rad="101600">
-                    <a:schemeClr val="tx1">
-                      <a:alpha val="60000"/>
-                    </a:schemeClr>
-                  </a:glow>
-                </a:effectLst>
-                <a:latin typeface="VNI-Aptima" pitchFamily="2" charset="0"/>
+              <a:rPr lang="en-US" sz="6600" b="1" dirty="0">
+                <a:solidFill>
+                  <a:schemeClr val="bg1"/>
+                </a:solidFill>
+                <a:effectLst>
+                  <a:glow rad="101600">
+                    <a:schemeClr val="tx1">
+                      <a:alpha val="60000"/>
+                    </a:schemeClr>
+                  </a:glow>
+                </a:effectLst>
+                <a:latin typeface="VNI-Times" pitchFamily="2" charset="0"/>
               </a:rPr>
               <a:t> </a:t>
             </a:r>
             <a:r>
-              <a:rPr lang="en-US" sz="6600" b="1" dirty="0" err="1" smtClean="0">
-                <a:solidFill>
-                  <a:schemeClr val="bg1"/>
-                </a:solidFill>
-                <a:effectLst>
-                  <a:glow rad="101600">
-                    <a:schemeClr val="tx1">
-                      <a:alpha val="60000"/>
-                    </a:schemeClr>
-                  </a:glow>
-                </a:effectLst>
-                <a:latin typeface="VNI-Aptima" pitchFamily="2" charset="0"/>
+              <a:rPr lang="en-US" sz="6600" b="1" dirty="0" err="1">
+                <a:solidFill>
+                  <a:schemeClr val="bg1"/>
+                </a:solidFill>
+                <a:effectLst>
+                  <a:glow rad="101600">
+                    <a:schemeClr val="tx1">
+                      <a:alpha val="60000"/>
+                    </a:schemeClr>
+                  </a:glow>
+                </a:effectLst>
+                <a:latin typeface="VNI-Times" pitchFamily="2" charset="0"/>
               </a:rPr>
               <a:t>nhaït</a:t>
             </a:r>
             <a:r>
-              <a:rPr lang="en-US" sz="6600" b="1" dirty="0" smtClean="0">
-                <a:solidFill>
-                  <a:schemeClr val="bg1"/>
-                </a:solidFill>
-                <a:effectLst>
-                  <a:glow rad="101600">
-                    <a:schemeClr val="tx1">
-                      <a:alpha val="60000"/>
-                    </a:schemeClr>
-                  </a:glow>
-                </a:effectLst>
-                <a:latin typeface="VNI-Aptima" pitchFamily="2" charset="0"/>
+              <a:rPr lang="en-US" sz="6600" b="1" dirty="0">
+                <a:solidFill>
+                  <a:schemeClr val="bg1"/>
+                </a:solidFill>
+                <a:effectLst>
+                  <a:glow rad="101600">
+                    <a:schemeClr val="tx1">
+                      <a:alpha val="60000"/>
+                    </a:schemeClr>
+                  </a:glow>
+                </a:effectLst>
+                <a:latin typeface="VNI-Times" pitchFamily="2" charset="0"/>
               </a:rPr>
               <a:t> </a:t>
             </a:r>
             <a:r>
-              <a:rPr lang="en-US" sz="6600" b="1" dirty="0" err="1" smtClean="0">
-                <a:solidFill>
-                  <a:schemeClr val="bg1"/>
-                </a:solidFill>
-                <a:effectLst>
-                  <a:glow rad="101600">
-                    <a:schemeClr val="tx1">
-                      <a:alpha val="60000"/>
-                    </a:schemeClr>
-                  </a:glow>
-                </a:effectLst>
-                <a:latin typeface="VNI-Aptima" pitchFamily="2" charset="0"/>
+              <a:rPr lang="en-US" sz="6600" b="1" dirty="0" err="1">
+                <a:solidFill>
+                  <a:schemeClr val="bg1"/>
+                </a:solidFill>
+                <a:effectLst>
+                  <a:glow rad="101600">
+                    <a:schemeClr val="tx1">
+                      <a:alpha val="60000"/>
+                    </a:schemeClr>
+                  </a:glow>
+                </a:effectLst>
+                <a:latin typeface="VNI-Times" pitchFamily="2" charset="0"/>
               </a:rPr>
               <a:t>phai</a:t>
             </a:r>
             <a:r>
-              <a:rPr lang="en-US" sz="6600" b="1" dirty="0" smtClean="0">
-                <a:solidFill>
-                  <a:schemeClr val="bg1"/>
-                </a:solidFill>
-                <a:effectLst>
-                  <a:glow rad="101600">
-                    <a:schemeClr val="tx1">
-                      <a:alpha val="60000"/>
-                    </a:schemeClr>
-                  </a:glow>
-                </a:effectLst>
-                <a:latin typeface="VNI-Aptima" pitchFamily="2" charset="0"/>
+              <a:rPr lang="en-US" sz="6600" b="1" dirty="0">
+                <a:solidFill>
+                  <a:schemeClr val="bg1"/>
+                </a:solidFill>
+                <a:effectLst>
+                  <a:glow rad="101600">
+                    <a:schemeClr val="tx1">
+                      <a:alpha val="60000"/>
+                    </a:schemeClr>
+                  </a:glow>
+                </a:effectLst>
+                <a:latin typeface="VNI-Times" pitchFamily="2" charset="0"/>
               </a:rPr>
               <a:t>.</a:t>
             </a:r>
@@ -4570,7 +4468,7 @@
           <a:p>
             <a:pPr algn="ctr"/>
             <a:r>
-              <a:rPr lang="en-US" sz="3500" b="1" dirty="0" smtClean="0">
+              <a:rPr lang="en-US" sz="3500" b="1" dirty="0">
                 <a:solidFill>
                   <a:srgbClr val="FFFF00"/>
                 </a:solidFill>
@@ -4581,23 +4479,10 @@
                     </a:schemeClr>
                   </a:glow>
                 </a:effectLst>
-                <a:latin typeface="VNI-Garam" pitchFamily="34" charset="0"/>
+                <a:latin typeface="VNI-Times" pitchFamily="2" charset="0"/>
               </a:rPr>
               <a:t>THAÙNH CA 442 – ÔN CAO SAÂU ROÄNG</a:t>
             </a:r>
-            <a:endParaRPr lang="en-US" sz="3500" b="1" dirty="0">
-              <a:solidFill>
-                <a:srgbClr val="FFFF00"/>
-              </a:solidFill>
-              <a:effectLst>
-                <a:glow rad="101600">
-                  <a:schemeClr val="tx1">
-                    <a:alpha val="60000"/>
-                  </a:schemeClr>
-                </a:glow>
-              </a:effectLst>
-              <a:latin typeface="VNI-Garam" pitchFamily="34" charset="0"/>
-            </a:endParaRPr>
           </a:p>
         </p:txBody>
       </p:sp>
@@ -4606,13 +4491,6 @@
   <p:clrMapOvr>
     <a:masterClrMapping/>
   </p:clrMapOvr>
-  <p:timing>
-    <p:tnLst>
-      <p:par>
-        <p:cTn id="1" dur="indefinite" restart="never" nodeType="tmRoot"/>
-      </p:par>
-    </p:tnLst>
-  </p:timing>
 </p:sld>
 </file>
 
